--- a/take away.pptx
+++ b/take away.pptx
@@ -7262,6 +7262,42 @@
                 <a:spcPts val="1200"/>
               </a:spcBef>
               <a:spcAft>
+                <a:spcPts val="0"/>
+              </a:spcAft>
+              <a:buNone/>
+            </a:pPr>
+            <a:r>
+              <a:rPr lang="zh-TW" sz="1400" u="sng">
+                <a:solidFill>
+                  <a:schemeClr val="hlink"/>
+                </a:solidFill>
+                <a:hlinkClick r:id="rId5"/>
+              </a:rPr>
+              <a:t>https://youtu.be/C6c5yXrH1KQ</a:t>
+            </a:r>
+            <a:endParaRPr sz="1400"/>
+          </a:p>
+          <a:p>
+            <a:pPr indent="0" lvl="0" marL="0" rtl="0" algn="l">
+              <a:spcBef>
+                <a:spcPts val="1200"/>
+              </a:spcBef>
+              <a:spcAft>
+                <a:spcPts val="0"/>
+              </a:spcAft>
+              <a:buNone/>
+            </a:pPr>
+            <a:r>
+              <a:t/>
+            </a:r>
+            <a:endParaRPr sz="1400"/>
+          </a:p>
+          <a:p>
+            <a:pPr indent="0" lvl="0" marL="0" rtl="0" algn="l">
+              <a:spcBef>
+                <a:spcPts val="1200"/>
+              </a:spcBef>
+              <a:spcAft>
                 <a:spcPts val="1200"/>
               </a:spcAft>
               <a:buNone/>
@@ -8423,6 +8459,285 @@
 </file>
 
 <file path=ppt/theme/theme1.xml><?xml version="1.0" encoding="utf-8"?>
+<a:theme xmlns:a="http://schemas.openxmlformats.org/drawingml/2006/main" xmlns:r="http://schemas.openxmlformats.org/officeDocument/2006/relationships">
+  <a:themeElements>
+    <a:clrScheme name="Default">
+      <a:dk1>
+        <a:srgbClr val="000000"/>
+      </a:dk1>
+      <a:lt1>
+        <a:srgbClr val="FFFFFF"/>
+      </a:lt1>
+      <a:dk2>
+        <a:srgbClr val="158158"/>
+      </a:dk2>
+      <a:lt2>
+        <a:srgbClr val="F3F3F3"/>
+      </a:lt2>
+      <a:accent1>
+        <a:srgbClr val="058DC7"/>
+      </a:accent1>
+      <a:accent2>
+        <a:srgbClr val="50B432"/>
+      </a:accent2>
+      <a:accent3>
+        <a:srgbClr val="ED561B"/>
+      </a:accent3>
+      <a:accent4>
+        <a:srgbClr val="EDEF00"/>
+      </a:accent4>
+      <a:accent5>
+        <a:srgbClr val="24CBE5"/>
+      </a:accent5>
+      <a:accent6>
+        <a:srgbClr val="64E572"/>
+      </a:accent6>
+      <a:hlink>
+        <a:srgbClr val="2200CC"/>
+      </a:hlink>
+      <a:folHlink>
+        <a:srgbClr val="551A8B"/>
+      </a:folHlink>
+    </a:clrScheme>
+    <a:fontScheme name="Office">
+      <a:majorFont>
+        <a:latin typeface="Arial"/>
+        <a:ea typeface=""/>
+        <a:cs typeface=""/>
+        <a:font script="Jpan" typeface="ＭＳ Ｐゴシック"/>
+        <a:font script="Hang" typeface="맑은 고딕"/>
+        <a:font script="Hans" typeface="宋体"/>
+        <a:font script="Hant" typeface="新細明體"/>
+        <a:font script="Arab" typeface="Times New Roman"/>
+        <a:font script="Hebr" typeface="Times New Roman"/>
+        <a:font script="Thai" typeface="Angsana New"/>
+        <a:font script="Ethi" typeface="Nyala"/>
+        <a:font script="Beng" typeface="Vrinda"/>
+        <a:font script="Gujr" typeface="Shruti"/>
+        <a:font script="Khmr" typeface="MoolBoran"/>
+        <a:font script="Knda" typeface="Tunga"/>
+        <a:font script="Guru" typeface="Raavi"/>
+        <a:font script="Cans" typeface="Euphemia"/>
+        <a:font script="Cher" typeface="Plantagenet Cherokee"/>
+        <a:font script="Yiii" typeface="Microsoft Yi Baiti"/>
+        <a:font script="Tibt" typeface="Microsoft Himalaya"/>
+        <a:font script="Thaa" typeface="MV Boli"/>
+        <a:font script="Deva" typeface="Mangal"/>
+        <a:font script="Telu" typeface="Gautami"/>
+        <a:font script="Taml" typeface="Latha"/>
+        <a:font script="Syrc" typeface="Estrangelo Edessa"/>
+        <a:font script="Orya" typeface="Kalinga"/>
+        <a:font script="Mlym" typeface="Kartika"/>
+        <a:font script="Laoo" typeface="DokChampa"/>
+        <a:font script="Sinh" typeface="Iskoola Pota"/>
+        <a:font script="Mong" typeface="Mongolian Baiti"/>
+        <a:font script="Viet" typeface="Times New Roman"/>
+        <a:font script="Uigh" typeface="Microsoft Uighur"/>
+        <a:font script="Geor" typeface="Sylfaen"/>
+      </a:majorFont>
+      <a:minorFont>
+        <a:latin typeface="Arial"/>
+        <a:ea typeface=""/>
+        <a:cs typeface=""/>
+        <a:font script="Jpan" typeface="ＭＳ Ｐゴシック"/>
+        <a:font script="Hang" typeface="맑은 고딕"/>
+        <a:font script="Hans" typeface="宋体"/>
+        <a:font script="Hant" typeface="新細明體"/>
+        <a:font script="Arab" typeface="Arial"/>
+        <a:font script="Hebr" typeface="Arial"/>
+        <a:font script="Thai" typeface="Cordia New"/>
+        <a:font script="Ethi" typeface="Nyala"/>
+        <a:font script="Beng" typeface="Vrinda"/>
+        <a:font script="Gujr" typeface="Shruti"/>
+        <a:font script="Khmr" typeface="DaunPenh"/>
+        <a:font script="Knda" typeface="Tunga"/>
+        <a:font script="Guru" typeface="Raavi"/>
+        <a:font script="Cans" typeface="Euphemia"/>
+        <a:font script="Cher" typeface="Plantagenet Cherokee"/>
+        <a:font script="Yiii" typeface="Microsoft Yi Baiti"/>
+        <a:font script="Tibt" typeface="Microsoft Himalaya"/>
+        <a:font script="Thaa" typeface="MV Boli"/>
+        <a:font script="Deva" typeface="Mangal"/>
+        <a:font script="Telu" typeface="Gautami"/>
+        <a:font script="Taml" typeface="Latha"/>
+        <a:font script="Syrc" typeface="Estrangelo Edessa"/>
+        <a:font script="Orya" typeface="Kalinga"/>
+        <a:font script="Mlym" typeface="Kartika"/>
+        <a:font script="Laoo" typeface="DokChampa"/>
+        <a:font script="Sinh" typeface="Iskoola Pota"/>
+        <a:font script="Mong" typeface="Mongolian Baiti"/>
+        <a:font script="Viet" typeface="Arial"/>
+        <a:font script="Uigh" typeface="Microsoft Uighur"/>
+        <a:font script="Geor" typeface="Sylfaen"/>
+      </a:minorFont>
+    </a:fontScheme>
+    <a:fmtScheme name="Office">
+      <a:fillStyleLst>
+        <a:solidFill>
+          <a:schemeClr val="phClr"/>
+        </a:solidFill>
+        <a:gradFill rotWithShape="1">
+          <a:gsLst>
+            <a:gs pos="0">
+              <a:schemeClr val="phClr">
+                <a:tint val="50000"/>
+                <a:satMod val="300000"/>
+              </a:schemeClr>
+            </a:gs>
+            <a:gs pos="35000">
+              <a:schemeClr val="phClr">
+                <a:tint val="37000"/>
+                <a:satMod val="300000"/>
+              </a:schemeClr>
+            </a:gs>
+            <a:gs pos="100000">
+              <a:schemeClr val="phClr">
+                <a:tint val="15000"/>
+                <a:satMod val="350000"/>
+              </a:schemeClr>
+            </a:gs>
+          </a:gsLst>
+          <a:lin ang="16200000" scaled="1"/>
+        </a:gradFill>
+        <a:gradFill rotWithShape="1">
+          <a:gsLst>
+            <a:gs pos="0">
+              <a:schemeClr val="phClr">
+                <a:tint val="100000"/>
+                <a:shade val="100000"/>
+                <a:satMod val="130000"/>
+              </a:schemeClr>
+            </a:gs>
+            <a:gs pos="100000">
+              <a:schemeClr val="phClr">
+                <a:tint val="50000"/>
+                <a:shade val="100000"/>
+                <a:satMod val="350000"/>
+              </a:schemeClr>
+            </a:gs>
+          </a:gsLst>
+          <a:lin ang="16200000" scaled="0"/>
+        </a:gradFill>
+      </a:fillStyleLst>
+      <a:lnStyleLst>
+        <a:ln w="9525" cap="flat" cmpd="sng" algn="ctr">
+          <a:solidFill>
+            <a:schemeClr val="phClr">
+              <a:shade val="95000"/>
+              <a:satMod val="105000"/>
+            </a:schemeClr>
+          </a:solidFill>
+          <a:prstDash val="solid"/>
+        </a:ln>
+        <a:ln w="25400" cap="flat" cmpd="sng" algn="ctr">
+          <a:solidFill>
+            <a:schemeClr val="phClr"/>
+          </a:solidFill>
+          <a:prstDash val="solid"/>
+        </a:ln>
+        <a:ln w="38100" cap="flat" cmpd="sng" algn="ctr">
+          <a:solidFill>
+            <a:schemeClr val="phClr"/>
+          </a:solidFill>
+          <a:prstDash val="solid"/>
+        </a:ln>
+      </a:lnStyleLst>
+      <a:effectStyleLst>
+        <a:effectStyle>
+          <a:effectLst>
+            <a:outerShdw blurRad="40000" dist="20000" dir="5400000" rotWithShape="0">
+              <a:srgbClr val="000000">
+                <a:alpha val="38000"/>
+              </a:srgbClr>
+            </a:outerShdw>
+          </a:effectLst>
+        </a:effectStyle>
+        <a:effectStyle>
+          <a:effectLst>
+            <a:outerShdw blurRad="40000" dist="23000" dir="5400000" rotWithShape="0">
+              <a:srgbClr val="000000">
+                <a:alpha val="35000"/>
+              </a:srgbClr>
+            </a:outerShdw>
+          </a:effectLst>
+        </a:effectStyle>
+        <a:effectStyle>
+          <a:effectLst>
+            <a:outerShdw blurRad="40000" dist="23000" dir="5400000" rotWithShape="0">
+              <a:srgbClr val="000000">
+                <a:alpha val="35000"/>
+              </a:srgbClr>
+            </a:outerShdw>
+          </a:effectLst>
+          <a:scene3d>
+            <a:camera prst="orthographicFront">
+              <a:rot lat="0" lon="0" rev="0"/>
+            </a:camera>
+            <a:lightRig rig="threePt" dir="t">
+              <a:rot lat="0" lon="0" rev="1200000"/>
+            </a:lightRig>
+          </a:scene3d>
+          <a:sp3d>
+            <a:bevelT w="63500" h="25400"/>
+          </a:sp3d>
+        </a:effectStyle>
+      </a:effectStyleLst>
+      <a:bgFillStyleLst>
+        <a:solidFill>
+          <a:schemeClr val="phClr"/>
+        </a:solidFill>
+        <a:gradFill rotWithShape="1">
+          <a:gsLst>
+            <a:gs pos="0">
+              <a:schemeClr val="phClr">
+                <a:tint val="40000"/>
+                <a:satMod val="350000"/>
+              </a:schemeClr>
+            </a:gs>
+            <a:gs pos="40000">
+              <a:schemeClr val="phClr">
+                <a:tint val="45000"/>
+                <a:shade val="99000"/>
+                <a:satMod val="350000"/>
+              </a:schemeClr>
+            </a:gs>
+            <a:gs pos="100000">
+              <a:schemeClr val="phClr">
+                <a:shade val="20000"/>
+                <a:satMod val="255000"/>
+              </a:schemeClr>
+            </a:gs>
+          </a:gsLst>
+          <a:path path="circle">
+            <a:fillToRect l="50000" t="-80000" r="50000" b="180000"/>
+          </a:path>
+        </a:gradFill>
+        <a:gradFill rotWithShape="1">
+          <a:gsLst>
+            <a:gs pos="0">
+              <a:schemeClr val="phClr">
+                <a:tint val="80000"/>
+                <a:satMod val="300000"/>
+              </a:schemeClr>
+            </a:gs>
+            <a:gs pos="100000">
+              <a:schemeClr val="phClr">
+                <a:shade val="30000"/>
+                <a:satMod val="200000"/>
+              </a:schemeClr>
+            </a:gs>
+          </a:gsLst>
+          <a:path path="circle">
+            <a:fillToRect l="50000" t="50000" r="50000" b="50000"/>
+          </a:path>
+        </a:gradFill>
+      </a:bgFillStyleLst>
+    </a:fmtScheme>
+  </a:themeElements>
+</a:theme>
+</file>
+
+<file path=ppt/theme/theme2.xml><?xml version="1.0" encoding="utf-8"?>
 <a:theme xmlns:a="http://schemas.openxmlformats.org/drawingml/2006/main" xmlns:r="http://schemas.openxmlformats.org/officeDocument/2006/relationships" name="Simple Dark">
   <a:themeElements>
     <a:clrScheme name="Simple Dark">
@@ -8699,283 +9014,4 @@
     </a:fmtScheme>
   </a:themeElements>
 </a:theme>
-</file>
-
-<file path=ppt/theme/theme2.xml><?xml version="1.0" encoding="utf-8"?>
-<a:theme xmlns:a="http://schemas.openxmlformats.org/drawingml/2006/main" xmlns:r="http://schemas.openxmlformats.org/officeDocument/2006/relationships">
-  <a:themeElements>
-    <a:clrScheme name="Default">
-      <a:dk1>
-        <a:srgbClr val="000000"/>
-      </a:dk1>
-      <a:lt1>
-        <a:srgbClr val="FFFFFF"/>
-      </a:lt1>
-      <a:dk2>
-        <a:srgbClr val="158158"/>
-      </a:dk2>
-      <a:lt2>
-        <a:srgbClr val="F3F3F3"/>
-      </a:lt2>
-      <a:accent1>
-        <a:srgbClr val="058DC7"/>
-      </a:accent1>
-      <a:accent2>
-        <a:srgbClr val="50B432"/>
-      </a:accent2>
-      <a:accent3>
-        <a:srgbClr val="ED561B"/>
-      </a:accent3>
-      <a:accent4>
-        <a:srgbClr val="EDEF00"/>
-      </a:accent4>
-      <a:accent5>
-        <a:srgbClr val="24CBE5"/>
-      </a:accent5>
-      <a:accent6>
-        <a:srgbClr val="64E572"/>
-      </a:accent6>
-      <a:hlink>
-        <a:srgbClr val="2200CC"/>
-      </a:hlink>
-      <a:folHlink>
-        <a:srgbClr val="551A8B"/>
-      </a:folHlink>
-    </a:clrScheme>
-    <a:fontScheme name="Office">
-      <a:majorFont>
-        <a:latin typeface="Arial"/>
-        <a:ea typeface=""/>
-        <a:cs typeface=""/>
-        <a:font script="Jpan" typeface="ＭＳ Ｐゴシック"/>
-        <a:font script="Hang" typeface="맑은 고딕"/>
-        <a:font script="Hans" typeface="宋体"/>
-        <a:font script="Hant" typeface="新細明體"/>
-        <a:font script="Arab" typeface="Times New Roman"/>
-        <a:font script="Hebr" typeface="Times New Roman"/>
-        <a:font script="Thai" typeface="Angsana New"/>
-        <a:font script="Ethi" typeface="Nyala"/>
-        <a:font script="Beng" typeface="Vrinda"/>
-        <a:font script="Gujr" typeface="Shruti"/>
-        <a:font script="Khmr" typeface="MoolBoran"/>
-        <a:font script="Knda" typeface="Tunga"/>
-        <a:font script="Guru" typeface="Raavi"/>
-        <a:font script="Cans" typeface="Euphemia"/>
-        <a:font script="Cher" typeface="Plantagenet Cherokee"/>
-        <a:font script="Yiii" typeface="Microsoft Yi Baiti"/>
-        <a:font script="Tibt" typeface="Microsoft Himalaya"/>
-        <a:font script="Thaa" typeface="MV Boli"/>
-        <a:font script="Deva" typeface="Mangal"/>
-        <a:font script="Telu" typeface="Gautami"/>
-        <a:font script="Taml" typeface="Latha"/>
-        <a:font script="Syrc" typeface="Estrangelo Edessa"/>
-        <a:font script="Orya" typeface="Kalinga"/>
-        <a:font script="Mlym" typeface="Kartika"/>
-        <a:font script="Laoo" typeface="DokChampa"/>
-        <a:font script="Sinh" typeface="Iskoola Pota"/>
-        <a:font script="Mong" typeface="Mongolian Baiti"/>
-        <a:font script="Viet" typeface="Times New Roman"/>
-        <a:font script="Uigh" typeface="Microsoft Uighur"/>
-        <a:font script="Geor" typeface="Sylfaen"/>
-      </a:majorFont>
-      <a:minorFont>
-        <a:latin typeface="Arial"/>
-        <a:ea typeface=""/>
-        <a:cs typeface=""/>
-        <a:font script="Jpan" typeface="ＭＳ Ｐゴシック"/>
-        <a:font script="Hang" typeface="맑은 고딕"/>
-        <a:font script="Hans" typeface="宋体"/>
-        <a:font script="Hant" typeface="新細明體"/>
-        <a:font script="Arab" typeface="Arial"/>
-        <a:font script="Hebr" typeface="Arial"/>
-        <a:font script="Thai" typeface="Cordia New"/>
-        <a:font script="Ethi" typeface="Nyala"/>
-        <a:font script="Beng" typeface="Vrinda"/>
-        <a:font script="Gujr" typeface="Shruti"/>
-        <a:font script="Khmr" typeface="DaunPenh"/>
-        <a:font script="Knda" typeface="Tunga"/>
-        <a:font script="Guru" typeface="Raavi"/>
-        <a:font script="Cans" typeface="Euphemia"/>
-        <a:font script="Cher" typeface="Plantagenet Cherokee"/>
-        <a:font script="Yiii" typeface="Microsoft Yi Baiti"/>
-        <a:font script="Tibt" typeface="Microsoft Himalaya"/>
-        <a:font script="Thaa" typeface="MV Boli"/>
-        <a:font script="Deva" typeface="Mangal"/>
-        <a:font script="Telu" typeface="Gautami"/>
-        <a:font script="Taml" typeface="Latha"/>
-        <a:font script="Syrc" typeface="Estrangelo Edessa"/>
-        <a:font script="Orya" typeface="Kalinga"/>
-        <a:font script="Mlym" typeface="Kartika"/>
-        <a:font script="Laoo" typeface="DokChampa"/>
-        <a:font script="Sinh" typeface="Iskoola Pota"/>
-        <a:font script="Mong" typeface="Mongolian Baiti"/>
-        <a:font script="Viet" typeface="Arial"/>
-        <a:font script="Uigh" typeface="Microsoft Uighur"/>
-        <a:font script="Geor" typeface="Sylfaen"/>
-      </a:minorFont>
-    </a:fontScheme>
-    <a:fmtScheme name="Office">
-      <a:fillStyleLst>
-        <a:solidFill>
-          <a:schemeClr val="phClr"/>
-        </a:solidFill>
-        <a:gradFill rotWithShape="1">
-          <a:gsLst>
-            <a:gs pos="0">
-              <a:schemeClr val="phClr">
-                <a:tint val="50000"/>
-                <a:satMod val="300000"/>
-              </a:schemeClr>
-            </a:gs>
-            <a:gs pos="35000">
-              <a:schemeClr val="phClr">
-                <a:tint val="37000"/>
-                <a:satMod val="300000"/>
-              </a:schemeClr>
-            </a:gs>
-            <a:gs pos="100000">
-              <a:schemeClr val="phClr">
-                <a:tint val="15000"/>
-                <a:satMod val="350000"/>
-              </a:schemeClr>
-            </a:gs>
-          </a:gsLst>
-          <a:lin ang="16200000" scaled="1"/>
-        </a:gradFill>
-        <a:gradFill rotWithShape="1">
-          <a:gsLst>
-            <a:gs pos="0">
-              <a:schemeClr val="phClr">
-                <a:tint val="100000"/>
-                <a:shade val="100000"/>
-                <a:satMod val="130000"/>
-              </a:schemeClr>
-            </a:gs>
-            <a:gs pos="100000">
-              <a:schemeClr val="phClr">
-                <a:tint val="50000"/>
-                <a:shade val="100000"/>
-                <a:satMod val="350000"/>
-              </a:schemeClr>
-            </a:gs>
-          </a:gsLst>
-          <a:lin ang="16200000" scaled="0"/>
-        </a:gradFill>
-      </a:fillStyleLst>
-      <a:lnStyleLst>
-        <a:ln w="9525" cap="flat" cmpd="sng" algn="ctr">
-          <a:solidFill>
-            <a:schemeClr val="phClr">
-              <a:shade val="95000"/>
-              <a:satMod val="105000"/>
-            </a:schemeClr>
-          </a:solidFill>
-          <a:prstDash val="solid"/>
-        </a:ln>
-        <a:ln w="25400" cap="flat" cmpd="sng" algn="ctr">
-          <a:solidFill>
-            <a:schemeClr val="phClr"/>
-          </a:solidFill>
-          <a:prstDash val="solid"/>
-        </a:ln>
-        <a:ln w="38100" cap="flat" cmpd="sng" algn="ctr">
-          <a:solidFill>
-            <a:schemeClr val="phClr"/>
-          </a:solidFill>
-          <a:prstDash val="solid"/>
-        </a:ln>
-      </a:lnStyleLst>
-      <a:effectStyleLst>
-        <a:effectStyle>
-          <a:effectLst>
-            <a:outerShdw blurRad="40000" dist="20000" dir="5400000" rotWithShape="0">
-              <a:srgbClr val="000000">
-                <a:alpha val="38000"/>
-              </a:srgbClr>
-            </a:outerShdw>
-          </a:effectLst>
-        </a:effectStyle>
-        <a:effectStyle>
-          <a:effectLst>
-            <a:outerShdw blurRad="40000" dist="23000" dir="5400000" rotWithShape="0">
-              <a:srgbClr val="000000">
-                <a:alpha val="35000"/>
-              </a:srgbClr>
-            </a:outerShdw>
-          </a:effectLst>
-        </a:effectStyle>
-        <a:effectStyle>
-          <a:effectLst>
-            <a:outerShdw blurRad="40000" dist="23000" dir="5400000" rotWithShape="0">
-              <a:srgbClr val="000000">
-                <a:alpha val="35000"/>
-              </a:srgbClr>
-            </a:outerShdw>
-          </a:effectLst>
-          <a:scene3d>
-            <a:camera prst="orthographicFront">
-              <a:rot lat="0" lon="0" rev="0"/>
-            </a:camera>
-            <a:lightRig rig="threePt" dir="t">
-              <a:rot lat="0" lon="0" rev="1200000"/>
-            </a:lightRig>
-          </a:scene3d>
-          <a:sp3d>
-            <a:bevelT w="63500" h="25400"/>
-          </a:sp3d>
-        </a:effectStyle>
-      </a:effectStyleLst>
-      <a:bgFillStyleLst>
-        <a:solidFill>
-          <a:schemeClr val="phClr"/>
-        </a:solidFill>
-        <a:gradFill rotWithShape="1">
-          <a:gsLst>
-            <a:gs pos="0">
-              <a:schemeClr val="phClr">
-                <a:tint val="40000"/>
-                <a:satMod val="350000"/>
-              </a:schemeClr>
-            </a:gs>
-            <a:gs pos="40000">
-              <a:schemeClr val="phClr">
-                <a:tint val="45000"/>
-                <a:shade val="99000"/>
-                <a:satMod val="350000"/>
-              </a:schemeClr>
-            </a:gs>
-            <a:gs pos="100000">
-              <a:schemeClr val="phClr">
-                <a:shade val="20000"/>
-                <a:satMod val="255000"/>
-              </a:schemeClr>
-            </a:gs>
-          </a:gsLst>
-          <a:path path="circle">
-            <a:fillToRect l="50000" t="-80000" r="50000" b="180000"/>
-          </a:path>
-        </a:gradFill>
-        <a:gradFill rotWithShape="1">
-          <a:gsLst>
-            <a:gs pos="0">
-              <a:schemeClr val="phClr">
-                <a:tint val="80000"/>
-                <a:satMod val="300000"/>
-              </a:schemeClr>
-            </a:gs>
-            <a:gs pos="100000">
-              <a:schemeClr val="phClr">
-                <a:shade val="30000"/>
-                <a:satMod val="200000"/>
-              </a:schemeClr>
-            </a:gs>
-          </a:gsLst>
-          <a:path path="circle">
-            <a:fillToRect l="50000" t="50000" r="50000" b="50000"/>
-          </a:path>
-        </a:gradFill>
-      </a:bgFillStyleLst>
-    </a:fmtScheme>
-  </a:themeElements>
-</a:theme>
 </file>
--- a/take away.pptx
+++ b/take away.pptx
@@ -20,6 +20,9 @@
     <p:sldId id="265" r:id="rId15"/>
     <p:sldId id="266" r:id="rId16"/>
     <p:sldId id="267" r:id="rId17"/>
+    <p:sldId id="268" r:id="rId18"/>
+    <p:sldId id="269" r:id="rId19"/>
+    <p:sldId id="270" r:id="rId20"/>
   </p:sldIdLst>
   <p:sldSz cy="5143500" cx="9144000"/>
   <p:notesSz cx="6858000" cy="9144000"/>
@@ -815,7 +818,7 @@
       </p:grpSpPr>
       <p:sp>
         <p:nvSpPr>
-          <p:cNvPr id="110" name="Google Shape;110;gaf81a8a1ac_0_29:notes"/>
+          <p:cNvPr id="110" name="Google Shape;110;gaf81a8a1ac_1_32:notes"/>
           <p:cNvSpPr/>
           <p:nvPr>
             <p:ph idx="2" type="sldImg"/>
@@ -850,7 +853,7 @@
       </p:sp>
       <p:sp>
         <p:nvSpPr>
-          <p:cNvPr id="111" name="Google Shape;111;gaf81a8a1ac_0_29:notes"/>
+          <p:cNvPr id="111" name="Google Shape;111;gaf81a8a1ac_1_32:notes"/>
           <p:cNvSpPr txBox="1"/>
           <p:nvPr>
             <p:ph idx="1" type="body"/>
@@ -914,7 +917,7 @@
       </p:grpSpPr>
       <p:sp>
         <p:nvSpPr>
-          <p:cNvPr id="116" name="Google Shape;116;gaf81a8a1ac_0_15:notes"/>
+          <p:cNvPr id="116" name="Google Shape;116;gb64aafe9ab_2_5:notes"/>
           <p:cNvSpPr/>
           <p:nvPr>
             <p:ph idx="2" type="sldImg"/>
@@ -949,7 +952,7 @@
       </p:sp>
       <p:sp>
         <p:nvSpPr>
-          <p:cNvPr id="117" name="Google Shape;117;gaf81a8a1ac_0_15:notes"/>
+          <p:cNvPr id="117" name="Google Shape;117;gb64aafe9ab_2_5:notes"/>
           <p:cNvSpPr txBox="1"/>
           <p:nvPr>
             <p:ph idx="1" type="body"/>
@@ -1013,7 +1016,7 @@
       </p:grpSpPr>
       <p:sp>
         <p:nvSpPr>
-          <p:cNvPr id="122" name="Google Shape;122;gaf81a8a1ac_0_20:notes"/>
+          <p:cNvPr id="122" name="Google Shape;122;gb64aafe9ab_2_0:notes"/>
           <p:cNvSpPr/>
           <p:nvPr>
             <p:ph idx="2" type="sldImg"/>
@@ -1048,7 +1051,304 @@
       </p:sp>
       <p:sp>
         <p:nvSpPr>
-          <p:cNvPr id="123" name="Google Shape;123;gaf81a8a1ac_0_20:notes"/>
+          <p:cNvPr id="123" name="Google Shape;123;gb64aafe9ab_2_0:notes"/>
+          <p:cNvSpPr txBox="1"/>
+          <p:nvPr>
+            <p:ph idx="1" type="body"/>
+          </p:nvPr>
+        </p:nvSpPr>
+        <p:spPr>
+          <a:xfrm>
+            <a:off x="685800" y="4343400"/>
+            <a:ext cx="5486400" cy="4114800"/>
+          </a:xfrm>
+          <a:prstGeom prst="rect">
+            <a:avLst/>
+          </a:prstGeom>
+        </p:spPr>
+        <p:txBody>
+          <a:bodyPr anchorCtr="0" anchor="t" bIns="91425" lIns="91425" spcFirstLastPara="1" rIns="91425" wrap="square" tIns="91425">
+            <a:noAutofit/>
+          </a:bodyPr>
+          <a:lstStyle/>
+          <a:p>
+            <a:pPr indent="0" lvl="0" marL="0" rtl="0" algn="l">
+              <a:spcBef>
+                <a:spcPts val="0"/>
+              </a:spcBef>
+              <a:spcAft>
+                <a:spcPts val="0"/>
+              </a:spcAft>
+              <a:buNone/>
+            </a:pPr>
+            <a:r>
+              <a:t/>
+            </a:r>
+            <a:endParaRPr/>
+          </a:p>
+        </p:txBody>
+      </p:sp>
+    </p:spTree>
+  </p:cSld>
+  <p:clrMapOvr>
+    <a:masterClrMapping/>
+  </p:clrMapOvr>
+</p:notes>
+</file>
+
+<file path=ppt/notesSlides/notesSlide13.xml><?xml version="1.0" encoding="utf-8"?>
+<p:notes xmlns:a="http://schemas.openxmlformats.org/drawingml/2006/main" xmlns:r="http://schemas.openxmlformats.org/officeDocument/2006/relationships" xmlns:mc="http://schemas.openxmlformats.org/markup-compatibility/2006" xmlns:mv="urn:schemas-microsoft-com:mac:vml" xmlns:p="http://schemas.openxmlformats.org/presentationml/2006/main" xmlns:c="http://schemas.openxmlformats.org/drawingml/2006/chart" xmlns:dgm="http://schemas.openxmlformats.org/drawingml/2006/diagram" xmlns:o="urn:schemas-microsoft-com:office:office" xmlns:v="urn:schemas-microsoft-com:vml" xmlns:pvml="urn:schemas-microsoft-com:office:powerpoint" xmlns:com="http://schemas.openxmlformats.org/drawingml/2006/compatibility" xmlns:p14="http://schemas.microsoft.com/office/powerpoint/2010/main" xmlns:p15="http://schemas.microsoft.com/office/powerpoint/2012/main" xmlns:ahyp="http://schemas.microsoft.com/office/drawing/2018/hyperlinkcolor" showMasterPhAnim="0" showMasterSp="0">
+  <p:cSld>
+    <p:spTree>
+      <p:nvGrpSpPr>
+        <p:cNvPr id="127" name="Shape 127"/>
+        <p:cNvGrpSpPr/>
+        <p:nvPr/>
+      </p:nvGrpSpPr>
+      <p:grpSpPr>
+        <a:xfrm>
+          <a:off x="0" y="0"/>
+          <a:ext cx="0" cy="0"/>
+          <a:chOff x="0" y="0"/>
+          <a:chExt cx="0" cy="0"/>
+        </a:xfrm>
+      </p:grpSpPr>
+      <p:sp>
+        <p:nvSpPr>
+          <p:cNvPr id="128" name="Google Shape;128;gaf81a8a1ac_0_29:notes"/>
+          <p:cNvSpPr/>
+          <p:nvPr>
+            <p:ph idx="2" type="sldImg"/>
+          </p:nvPr>
+        </p:nvSpPr>
+        <p:spPr>
+          <a:xfrm>
+            <a:off x="381300" y="685800"/>
+            <a:ext cx="6096000" cy="3429000"/>
+          </a:xfrm>
+          <a:custGeom>
+            <a:rect b="b" l="l" r="r" t="t"/>
+            <a:pathLst>
+              <a:path extrusionOk="0" h="120000" w="120000">
+                <a:moveTo>
+                  <a:pt x="0" y="0"/>
+                </a:moveTo>
+                <a:lnTo>
+                  <a:pt x="120000" y="0"/>
+                </a:lnTo>
+                <a:lnTo>
+                  <a:pt x="120000" y="120000"/>
+                </a:lnTo>
+                <a:lnTo>
+                  <a:pt x="0" y="120000"/>
+                </a:lnTo>
+                <a:close/>
+              </a:path>
+            </a:pathLst>
+          </a:custGeom>
+        </p:spPr>
+      </p:sp>
+      <p:sp>
+        <p:nvSpPr>
+          <p:cNvPr id="129" name="Google Shape;129;gaf81a8a1ac_0_29:notes"/>
+          <p:cNvSpPr txBox="1"/>
+          <p:nvPr>
+            <p:ph idx="1" type="body"/>
+          </p:nvPr>
+        </p:nvSpPr>
+        <p:spPr>
+          <a:xfrm>
+            <a:off x="685800" y="4343400"/>
+            <a:ext cx="5486400" cy="4114800"/>
+          </a:xfrm>
+          <a:prstGeom prst="rect">
+            <a:avLst/>
+          </a:prstGeom>
+        </p:spPr>
+        <p:txBody>
+          <a:bodyPr anchorCtr="0" anchor="t" bIns="91425" lIns="91425" spcFirstLastPara="1" rIns="91425" wrap="square" tIns="91425">
+            <a:noAutofit/>
+          </a:bodyPr>
+          <a:lstStyle/>
+          <a:p>
+            <a:pPr indent="0" lvl="0" marL="0" rtl="0" algn="l">
+              <a:spcBef>
+                <a:spcPts val="0"/>
+              </a:spcBef>
+              <a:spcAft>
+                <a:spcPts val="0"/>
+              </a:spcAft>
+              <a:buNone/>
+            </a:pPr>
+            <a:r>
+              <a:t/>
+            </a:r>
+            <a:endParaRPr/>
+          </a:p>
+        </p:txBody>
+      </p:sp>
+    </p:spTree>
+  </p:cSld>
+  <p:clrMapOvr>
+    <a:masterClrMapping/>
+  </p:clrMapOvr>
+</p:notes>
+</file>
+
+<file path=ppt/notesSlides/notesSlide14.xml><?xml version="1.0" encoding="utf-8"?>
+<p:notes xmlns:a="http://schemas.openxmlformats.org/drawingml/2006/main" xmlns:r="http://schemas.openxmlformats.org/officeDocument/2006/relationships" xmlns:mc="http://schemas.openxmlformats.org/markup-compatibility/2006" xmlns:mv="urn:schemas-microsoft-com:mac:vml" xmlns:p="http://schemas.openxmlformats.org/presentationml/2006/main" xmlns:c="http://schemas.openxmlformats.org/drawingml/2006/chart" xmlns:dgm="http://schemas.openxmlformats.org/drawingml/2006/diagram" xmlns:o="urn:schemas-microsoft-com:office:office" xmlns:v="urn:schemas-microsoft-com:vml" xmlns:pvml="urn:schemas-microsoft-com:office:powerpoint" xmlns:com="http://schemas.openxmlformats.org/drawingml/2006/compatibility" xmlns:p14="http://schemas.microsoft.com/office/powerpoint/2010/main" xmlns:p15="http://schemas.microsoft.com/office/powerpoint/2012/main" xmlns:ahyp="http://schemas.microsoft.com/office/drawing/2018/hyperlinkcolor" showMasterPhAnim="0" showMasterSp="0">
+  <p:cSld>
+    <p:spTree>
+      <p:nvGrpSpPr>
+        <p:cNvPr id="133" name="Shape 133"/>
+        <p:cNvGrpSpPr/>
+        <p:nvPr/>
+      </p:nvGrpSpPr>
+      <p:grpSpPr>
+        <a:xfrm>
+          <a:off x="0" y="0"/>
+          <a:ext cx="0" cy="0"/>
+          <a:chOff x="0" y="0"/>
+          <a:chExt cx="0" cy="0"/>
+        </a:xfrm>
+      </p:grpSpPr>
+      <p:sp>
+        <p:nvSpPr>
+          <p:cNvPr id="134" name="Google Shape;134;gaf81a8a1ac_0_15:notes"/>
+          <p:cNvSpPr/>
+          <p:nvPr>
+            <p:ph idx="2" type="sldImg"/>
+          </p:nvPr>
+        </p:nvSpPr>
+        <p:spPr>
+          <a:xfrm>
+            <a:off x="381300" y="685800"/>
+            <a:ext cx="6096000" cy="3429000"/>
+          </a:xfrm>
+          <a:custGeom>
+            <a:rect b="b" l="l" r="r" t="t"/>
+            <a:pathLst>
+              <a:path extrusionOk="0" h="120000" w="120000">
+                <a:moveTo>
+                  <a:pt x="0" y="0"/>
+                </a:moveTo>
+                <a:lnTo>
+                  <a:pt x="120000" y="0"/>
+                </a:lnTo>
+                <a:lnTo>
+                  <a:pt x="120000" y="120000"/>
+                </a:lnTo>
+                <a:lnTo>
+                  <a:pt x="0" y="120000"/>
+                </a:lnTo>
+                <a:close/>
+              </a:path>
+            </a:pathLst>
+          </a:custGeom>
+        </p:spPr>
+      </p:sp>
+      <p:sp>
+        <p:nvSpPr>
+          <p:cNvPr id="135" name="Google Shape;135;gaf81a8a1ac_0_15:notes"/>
+          <p:cNvSpPr txBox="1"/>
+          <p:nvPr>
+            <p:ph idx="1" type="body"/>
+          </p:nvPr>
+        </p:nvSpPr>
+        <p:spPr>
+          <a:xfrm>
+            <a:off x="685800" y="4343400"/>
+            <a:ext cx="5486400" cy="4114800"/>
+          </a:xfrm>
+          <a:prstGeom prst="rect">
+            <a:avLst/>
+          </a:prstGeom>
+        </p:spPr>
+        <p:txBody>
+          <a:bodyPr anchorCtr="0" anchor="t" bIns="91425" lIns="91425" spcFirstLastPara="1" rIns="91425" wrap="square" tIns="91425">
+            <a:noAutofit/>
+          </a:bodyPr>
+          <a:lstStyle/>
+          <a:p>
+            <a:pPr indent="0" lvl="0" marL="0" rtl="0" algn="l">
+              <a:spcBef>
+                <a:spcPts val="0"/>
+              </a:spcBef>
+              <a:spcAft>
+                <a:spcPts val="0"/>
+              </a:spcAft>
+              <a:buNone/>
+            </a:pPr>
+            <a:r>
+              <a:t/>
+            </a:r>
+            <a:endParaRPr/>
+          </a:p>
+        </p:txBody>
+      </p:sp>
+    </p:spTree>
+  </p:cSld>
+  <p:clrMapOvr>
+    <a:masterClrMapping/>
+  </p:clrMapOvr>
+</p:notes>
+</file>
+
+<file path=ppt/notesSlides/notesSlide15.xml><?xml version="1.0" encoding="utf-8"?>
+<p:notes xmlns:a="http://schemas.openxmlformats.org/drawingml/2006/main" xmlns:r="http://schemas.openxmlformats.org/officeDocument/2006/relationships" xmlns:mc="http://schemas.openxmlformats.org/markup-compatibility/2006" xmlns:mv="urn:schemas-microsoft-com:mac:vml" xmlns:p="http://schemas.openxmlformats.org/presentationml/2006/main" xmlns:c="http://schemas.openxmlformats.org/drawingml/2006/chart" xmlns:dgm="http://schemas.openxmlformats.org/drawingml/2006/diagram" xmlns:o="urn:schemas-microsoft-com:office:office" xmlns:v="urn:schemas-microsoft-com:vml" xmlns:pvml="urn:schemas-microsoft-com:office:powerpoint" xmlns:com="http://schemas.openxmlformats.org/drawingml/2006/compatibility" xmlns:p14="http://schemas.microsoft.com/office/powerpoint/2010/main" xmlns:p15="http://schemas.microsoft.com/office/powerpoint/2012/main" xmlns:ahyp="http://schemas.microsoft.com/office/drawing/2018/hyperlinkcolor" showMasterPhAnim="0" showMasterSp="0">
+  <p:cSld>
+    <p:spTree>
+      <p:nvGrpSpPr>
+        <p:cNvPr id="139" name="Shape 139"/>
+        <p:cNvGrpSpPr/>
+        <p:nvPr/>
+      </p:nvGrpSpPr>
+      <p:grpSpPr>
+        <a:xfrm>
+          <a:off x="0" y="0"/>
+          <a:ext cx="0" cy="0"/>
+          <a:chOff x="0" y="0"/>
+          <a:chExt cx="0" cy="0"/>
+        </a:xfrm>
+      </p:grpSpPr>
+      <p:sp>
+        <p:nvSpPr>
+          <p:cNvPr id="140" name="Google Shape;140;gaf81a8a1ac_0_20:notes"/>
+          <p:cNvSpPr/>
+          <p:nvPr>
+            <p:ph idx="2" type="sldImg"/>
+          </p:nvPr>
+        </p:nvSpPr>
+        <p:spPr>
+          <a:xfrm>
+            <a:off x="381300" y="685800"/>
+            <a:ext cx="6096000" cy="3429000"/>
+          </a:xfrm>
+          <a:custGeom>
+            <a:rect b="b" l="l" r="r" t="t"/>
+            <a:pathLst>
+              <a:path extrusionOk="0" h="120000" w="120000">
+                <a:moveTo>
+                  <a:pt x="0" y="0"/>
+                </a:moveTo>
+                <a:lnTo>
+                  <a:pt x="120000" y="0"/>
+                </a:lnTo>
+                <a:lnTo>
+                  <a:pt x="120000" y="120000"/>
+                </a:lnTo>
+                <a:lnTo>
+                  <a:pt x="0" y="120000"/>
+                </a:lnTo>
+                <a:close/>
+              </a:path>
+            </a:pathLst>
+          </a:custGeom>
+        </p:spPr>
+      </p:sp>
+      <p:sp>
+        <p:nvSpPr>
+          <p:cNvPr id="141" name="Google Shape;141;gaf81a8a1ac_0_20:notes"/>
           <p:cNvSpPr txBox="1"/>
           <p:nvPr>
             <p:ph idx="1" type="body"/>
@@ -1310,7 +1610,7 @@
       </p:grpSpPr>
       <p:sp>
         <p:nvSpPr>
-          <p:cNvPr id="70" name="Google Shape;70;gaf81a8a1ac_1_13:notes"/>
+          <p:cNvPr id="70" name="Google Shape;70;gaf81a8a1ac_0_34:notes"/>
           <p:cNvSpPr/>
           <p:nvPr>
             <p:ph idx="2" type="sldImg"/>
@@ -1345,7 +1645,7 @@
       </p:sp>
       <p:sp>
         <p:nvSpPr>
-          <p:cNvPr id="71" name="Google Shape;71;gaf81a8a1ac_1_13:notes"/>
+          <p:cNvPr id="71" name="Google Shape;71;gaf81a8a1ac_0_34:notes"/>
           <p:cNvSpPr txBox="1"/>
           <p:nvPr>
             <p:ph idx="1" type="body"/>
@@ -1395,7 +1695,7 @@
   <p:cSld>
     <p:spTree>
       <p:nvGrpSpPr>
-        <p:cNvPr id="76" name="Shape 76"/>
+        <p:cNvPr id="75" name="Shape 75"/>
         <p:cNvGrpSpPr/>
         <p:nvPr/>
       </p:nvGrpSpPr>
@@ -1409,7 +1709,7 @@
       </p:grpSpPr>
       <p:sp>
         <p:nvSpPr>
-          <p:cNvPr id="77" name="Google Shape;77;gaf81a8a1ac_1_0:notes"/>
+          <p:cNvPr id="76" name="Google Shape;76;gaf81a8a1ac_1_13:notes"/>
           <p:cNvSpPr/>
           <p:nvPr>
             <p:ph idx="2" type="sldImg"/>
@@ -1444,7 +1744,7 @@
       </p:sp>
       <p:sp>
         <p:nvSpPr>
-          <p:cNvPr id="78" name="Google Shape;78;gaf81a8a1ac_1_0:notes"/>
+          <p:cNvPr id="77" name="Google Shape;77;gaf81a8a1ac_1_13:notes"/>
           <p:cNvSpPr txBox="1"/>
           <p:nvPr>
             <p:ph idx="1" type="body"/>
@@ -1494,7 +1794,7 @@
   <p:cSld>
     <p:spTree>
       <p:nvGrpSpPr>
-        <p:cNvPr id="83" name="Shape 83"/>
+        <p:cNvPr id="82" name="Shape 82"/>
         <p:cNvGrpSpPr/>
         <p:nvPr/>
       </p:nvGrpSpPr>
@@ -1508,7 +1808,7 @@
       </p:grpSpPr>
       <p:sp>
         <p:nvSpPr>
-          <p:cNvPr id="84" name="Google Shape;84;gaf81a8a1ac_1_7:notes"/>
+          <p:cNvPr id="83" name="Google Shape;83;gaf81a8a1ac_1_0:notes"/>
           <p:cNvSpPr/>
           <p:nvPr>
             <p:ph idx="2" type="sldImg"/>
@@ -1543,7 +1843,7 @@
       </p:sp>
       <p:sp>
         <p:nvSpPr>
-          <p:cNvPr id="85" name="Google Shape;85;gaf81a8a1ac_1_7:notes"/>
+          <p:cNvPr id="84" name="Google Shape;84;gaf81a8a1ac_1_0:notes"/>
           <p:cNvSpPr txBox="1"/>
           <p:nvPr>
             <p:ph idx="1" type="body"/>
@@ -1593,7 +1893,7 @@
   <p:cSld>
     <p:spTree>
       <p:nvGrpSpPr>
-        <p:cNvPr id="90" name="Shape 90"/>
+        <p:cNvPr id="89" name="Shape 89"/>
         <p:cNvGrpSpPr/>
         <p:nvPr/>
       </p:nvGrpSpPr>
@@ -1607,7 +1907,7 @@
       </p:grpSpPr>
       <p:sp>
         <p:nvSpPr>
-          <p:cNvPr id="91" name="Google Shape;91;gaf81a8a1ac_1_25:notes"/>
+          <p:cNvPr id="90" name="Google Shape;90;gaf81a8a1ac_1_7:notes"/>
           <p:cNvSpPr/>
           <p:nvPr>
             <p:ph idx="2" type="sldImg"/>
@@ -1642,7 +1942,7 @@
       </p:sp>
       <p:sp>
         <p:nvSpPr>
-          <p:cNvPr id="92" name="Google Shape;92;gaf81a8a1ac_1_25:notes"/>
+          <p:cNvPr id="91" name="Google Shape;91;gaf81a8a1ac_1_7:notes"/>
           <p:cNvSpPr txBox="1"/>
           <p:nvPr>
             <p:ph idx="1" type="body"/>
@@ -1706,7 +2006,7 @@
       </p:grpSpPr>
       <p:sp>
         <p:nvSpPr>
-          <p:cNvPr id="97" name="Google Shape;97;gaf81a8a1ac_1_18:notes"/>
+          <p:cNvPr id="97" name="Google Shape;97;gaf81a8a1ac_1_25:notes"/>
           <p:cNvSpPr/>
           <p:nvPr>
             <p:ph idx="2" type="sldImg"/>
@@ -1741,7 +2041,7 @@
       </p:sp>
       <p:sp>
         <p:nvSpPr>
-          <p:cNvPr id="98" name="Google Shape;98;gaf81a8a1ac_1_18:notes"/>
+          <p:cNvPr id="98" name="Google Shape;98;gaf81a8a1ac_1_25:notes"/>
           <p:cNvSpPr txBox="1"/>
           <p:nvPr>
             <p:ph idx="1" type="body"/>
@@ -1791,7 +2091,7 @@
   <p:cSld>
     <p:spTree>
       <p:nvGrpSpPr>
-        <p:cNvPr id="103" name="Shape 103"/>
+        <p:cNvPr id="102" name="Shape 102"/>
         <p:cNvGrpSpPr/>
         <p:nvPr/>
       </p:nvGrpSpPr>
@@ -1805,7 +2105,7 @@
       </p:grpSpPr>
       <p:sp>
         <p:nvSpPr>
-          <p:cNvPr id="104" name="Google Shape;104;gaf81a8a1ac_1_32:notes"/>
+          <p:cNvPr id="103" name="Google Shape;103;gaf81a8a1ac_1_18:notes"/>
           <p:cNvSpPr/>
           <p:nvPr>
             <p:ph idx="2" type="sldImg"/>
@@ -1840,7 +2140,7 @@
       </p:sp>
       <p:sp>
         <p:nvSpPr>
-          <p:cNvPr id="105" name="Google Shape;105;gaf81a8a1ac_1_32:notes"/>
+          <p:cNvPr id="104" name="Google Shape;104;gaf81a8a1ac_1_18:notes"/>
           <p:cNvSpPr txBox="1"/>
           <p:nvPr>
             <p:ph idx="1" type="body"/>
@@ -6803,7 +7103,7 @@
             </a:pPr>
             <a:r>
               <a:rPr lang="zh-TW"/>
-              <a:t>Issue to be solved:</a:t>
+              <a:t>Data Transmit</a:t>
             </a:r>
             <a:endParaRPr/>
           </a:p>
@@ -6837,60 +7137,13 @@
                 <a:spcPts val="0"/>
               </a:spcBef>
               <a:spcAft>
-                <a:spcPts val="0"/>
+                <a:spcPts val="1200"/>
               </a:spcAft>
               <a:buNone/>
             </a:pPr>
             <a:r>
               <a:rPr lang="zh-TW"/>
-              <a:t>Start up acceleration value is not precise</a:t>
-            </a:r>
-            <a:endParaRPr/>
-          </a:p>
-          <a:p>
-            <a:pPr indent="0" lvl="0" marL="0" rtl="0" algn="l">
-              <a:spcBef>
-                <a:spcPts val="1200"/>
-              </a:spcBef>
-              <a:spcAft>
-                <a:spcPts val="0"/>
-              </a:spcAft>
-              <a:buNone/>
-            </a:pPr>
-            <a:r>
-              <a:rPr lang="zh-TW"/>
-              <a:t>Gps data might take a while for TTFF </a:t>
-            </a:r>
-            <a:endParaRPr/>
-          </a:p>
-          <a:p>
-            <a:pPr indent="0" lvl="0" marL="0" rtl="0" algn="l">
-              <a:spcBef>
-                <a:spcPts val="1200"/>
-              </a:spcBef>
-              <a:spcAft>
-                <a:spcPts val="0"/>
-              </a:spcAft>
-              <a:buNone/>
-            </a:pPr>
-            <a:r>
-              <a:rPr lang="zh-TW"/>
-              <a:t>Gps signal is too weak indoor for neo-6m </a:t>
-            </a:r>
-            <a:endParaRPr/>
-          </a:p>
-          <a:p>
-            <a:pPr indent="0" lvl="0" marL="0" rtl="0" algn="l">
-              <a:spcBef>
-                <a:spcPts val="1200"/>
-              </a:spcBef>
-              <a:spcAft>
-                <a:spcPts val="1200"/>
-              </a:spcAft>
-              <a:buNone/>
-            </a:pPr>
-            <a:r>
-              <a:t/>
+              <a:t>透過wifi，在終端(mbed)建立socket client，將資料傳送給socket server(電腦)。為降低耗能，終端只在有不當駕駛行為時傳送通知，內容包含行駛方式與當前GPS定位。</a:t>
             </a:r>
             <a:endParaRPr/>
           </a:p>
@@ -6955,7 +7208,7 @@
             </a:pPr>
             <a:r>
               <a:rPr lang="zh-TW"/>
-              <a:t>REFERENCE:</a:t>
+              <a:t>Webpage</a:t>
             </a:r>
             <a:endParaRPr/>
           </a:p>
@@ -6980,7 +7233,7 @@
         </p:spPr>
         <p:txBody>
           <a:bodyPr anchorCtr="0" anchor="t" bIns="91425" lIns="91425" spcFirstLastPara="1" rIns="91425" wrap="square" tIns="91425">
-            <a:normAutofit lnSpcReduction="10000"/>
+            <a:normAutofit/>
           </a:bodyPr>
           <a:lstStyle/>
           <a:p>
@@ -6994,17 +7247,8 @@
               <a:buNone/>
             </a:pPr>
             <a:r>
-              <a:rPr lang="zh-TW" u="sng">
-                <a:solidFill>
-                  <a:schemeClr val="hlink"/>
-                </a:solidFill>
-                <a:hlinkClick r:id="rId3"/>
-              </a:rPr>
-              <a:t>https://os.mbed.com/teams/mbed-os-examples/code/mbed-os-example-mbed5-wifi//annotate/86dca48315d8/main.cpp/</a:t>
-            </a:r>
-            <a:r>
               <a:rPr lang="zh-TW"/>
-              <a:t> </a:t>
+              <a:t>顯示外送員在外送過程中加速度超標的地點</a:t>
             </a:r>
             <a:endParaRPr/>
           </a:p>
@@ -7014,114 +7258,13 @@
                 <a:spcPts val="1200"/>
               </a:spcBef>
               <a:spcAft>
-                <a:spcPts val="0"/>
-              </a:spcAft>
-              <a:buNone/>
-            </a:pPr>
-            <a:r>
-              <a:rPr lang="zh-TW" u="sng">
-                <a:solidFill>
-                  <a:schemeClr val="hlink"/>
-                </a:solidFill>
-                <a:hlinkClick r:id="rId4"/>
-              </a:rPr>
-              <a:t>http://aprs.gids.nl/nmea/</a:t>
-            </a:r>
-            <a:r>
-              <a:rPr lang="zh-TW"/>
-              <a:t> </a:t>
-            </a:r>
-            <a:endParaRPr/>
-          </a:p>
-          <a:p>
-            <a:pPr indent="0" lvl="0" marL="0" rtl="0" algn="l">
-              <a:spcBef>
                 <a:spcPts val="1200"/>
-              </a:spcBef>
-              <a:spcAft>
-                <a:spcPts val="0"/>
-              </a:spcAft>
-              <a:buNone/>
-            </a:pPr>
-            <a:r>
-              <a:rPr lang="zh-TW" u="sng">
-                <a:solidFill>
-                  <a:schemeClr val="hlink"/>
-                </a:solidFill>
-                <a:hlinkClick r:id="rId5"/>
-              </a:rPr>
-              <a:t>https://os.mbed.com/users/nliu96/code/GPS-Library/</a:t>
-            </a:r>
-            <a:r>
-              <a:rPr lang="zh-TW"/>
-              <a:t> </a:t>
-            </a:r>
-            <a:endParaRPr/>
-          </a:p>
-          <a:p>
-            <a:pPr indent="0" lvl="0" marL="0" rtl="0" algn="l">
-              <a:spcBef>
-                <a:spcPts val="1200"/>
-              </a:spcBef>
-              <a:spcAft>
-                <a:spcPts val="0"/>
               </a:spcAft>
               <a:buNone/>
             </a:pPr>
             <a:r>
               <a:rPr lang="zh-TW"/>
-              <a:t>基於加速度特徵值之模糊手勢識別系統</a:t>
-            </a:r>
-            <a:endParaRPr/>
-          </a:p>
-          <a:p>
-            <a:pPr indent="0" lvl="0" marL="0" rtl="0" algn="l">
-              <a:spcBef>
-                <a:spcPts val="1200"/>
-              </a:spcBef>
-              <a:spcAft>
-                <a:spcPts val="0"/>
-              </a:spcAft>
-              <a:buNone/>
-            </a:pPr>
-            <a:r>
-              <a:rPr lang="zh-TW" u="sng">
-                <a:solidFill>
-                  <a:schemeClr val="hlink"/>
-                </a:solidFill>
-                <a:hlinkClick r:id="rId6"/>
-              </a:rPr>
-              <a:t>http://163.17.20.49/IJAIT/IJAIT%207(2)/IJAIT%207(2)_09.pdf</a:t>
-            </a:r>
-            <a:endParaRPr/>
-          </a:p>
-          <a:p>
-            <a:pPr indent="0" lvl="0" marL="0" rtl="0" algn="l">
-              <a:spcBef>
-                <a:spcPts val="1200"/>
-              </a:spcBef>
-              <a:spcAft>
-                <a:spcPts val="0"/>
-              </a:spcAft>
-              <a:buNone/>
-            </a:pPr>
-            <a:r>
-              <a:t/>
-            </a:r>
-            <a:endParaRPr/>
-          </a:p>
-          <a:p>
-            <a:pPr indent="0" lvl="0" marL="0" rtl="0" algn="l">
-              <a:spcBef>
-                <a:spcPts val="1200"/>
-              </a:spcBef>
-              <a:spcAft>
-                <a:spcPts val="1200"/>
-              </a:spcAft>
-              <a:buNone/>
-            </a:pPr>
-            <a:r>
-              <a:t/>
+              <a:t>利用GPS定位出經緯度，再利用 google map 顯示出位置</a:t>
             </a:r>
             <a:endParaRPr/>
           </a:p>
@@ -7186,6 +7329,534 @@
             </a:pPr>
             <a:r>
               <a:rPr lang="zh-TW"/>
+              <a:t>Webpage Implementation</a:t>
+            </a:r>
+            <a:endParaRPr/>
+          </a:p>
+        </p:txBody>
+      </p:sp>
+      <p:sp>
+        <p:nvSpPr>
+          <p:cNvPr id="126" name="Google Shape;126;p24"/>
+          <p:cNvSpPr txBox="1"/>
+          <p:nvPr>
+            <p:ph idx="1" type="body"/>
+          </p:nvPr>
+        </p:nvSpPr>
+        <p:spPr>
+          <a:xfrm>
+            <a:off x="311700" y="1152475"/>
+            <a:ext cx="8520600" cy="3416400"/>
+          </a:xfrm>
+          <a:prstGeom prst="rect">
+            <a:avLst/>
+          </a:prstGeom>
+        </p:spPr>
+        <p:txBody>
+          <a:bodyPr anchorCtr="0" anchor="t" bIns="91425" lIns="91425" spcFirstLastPara="1" rIns="91425" wrap="square" tIns="91425">
+            <a:normAutofit/>
+          </a:bodyPr>
+          <a:lstStyle/>
+          <a:p>
+            <a:pPr indent="0" lvl="0" marL="0" rtl="0" algn="l">
+              <a:spcBef>
+                <a:spcPts val="0"/>
+              </a:spcBef>
+              <a:spcAft>
+                <a:spcPts val="0"/>
+              </a:spcAft>
+              <a:buNone/>
+            </a:pPr>
+            <a:r>
+              <a:rPr lang="zh-TW"/>
+              <a:t>Python socket</a:t>
+            </a:r>
+            <a:endParaRPr/>
+          </a:p>
+          <a:p>
+            <a:pPr indent="0" lvl="0" marL="0" rtl="0" algn="l">
+              <a:spcBef>
+                <a:spcPts val="1200"/>
+              </a:spcBef>
+              <a:spcAft>
+                <a:spcPts val="0"/>
+              </a:spcAft>
+              <a:buNone/>
+            </a:pPr>
+            <a:r>
+              <a:rPr lang="zh-TW"/>
+              <a:t>Html file</a:t>
+            </a:r>
+            <a:endParaRPr/>
+          </a:p>
+          <a:p>
+            <a:pPr indent="0" lvl="0" marL="0" rtl="0" algn="l">
+              <a:spcBef>
+                <a:spcPts val="1200"/>
+              </a:spcBef>
+              <a:spcAft>
+                <a:spcPts val="1200"/>
+              </a:spcAft>
+              <a:buNone/>
+            </a:pPr>
+            <a:r>
+              <a:rPr lang="zh-TW"/>
+              <a:t>Write the received data from stm32 into html file, web server then transfer the  data </a:t>
+            </a:r>
+            <a:r>
+              <a:rPr lang="zh-TW"/>
+              <a:t>required </a:t>
+            </a:r>
+            <a:r>
+              <a:rPr lang="zh-TW"/>
+              <a:t>from the client to the web page</a:t>
+            </a:r>
+            <a:endParaRPr/>
+          </a:p>
+        </p:txBody>
+      </p:sp>
+    </p:spTree>
+  </p:cSld>
+  <p:clrMapOvr>
+    <a:masterClrMapping/>
+  </p:clrMapOvr>
+</p:sld>
+</file>
+
+<file path=ppt/slides/slide13.xml><?xml version="1.0" encoding="utf-8"?>
+<p:sld xmlns:a="http://schemas.openxmlformats.org/drawingml/2006/main" xmlns:r="http://schemas.openxmlformats.org/officeDocument/2006/relationships" xmlns:mc="http://schemas.openxmlformats.org/markup-compatibility/2006" xmlns:mv="urn:schemas-microsoft-com:mac:vml" xmlns:p="http://schemas.openxmlformats.org/presentationml/2006/main" xmlns:c="http://schemas.openxmlformats.org/drawingml/2006/chart" xmlns:dgm="http://schemas.openxmlformats.org/drawingml/2006/diagram" xmlns:o="urn:schemas-microsoft-com:office:office" xmlns:v="urn:schemas-microsoft-com:vml" xmlns:pvml="urn:schemas-microsoft-com:office:powerpoint" xmlns:com="http://schemas.openxmlformats.org/drawingml/2006/compatibility" xmlns:p14="http://schemas.microsoft.com/office/powerpoint/2010/main" xmlns:p15="http://schemas.microsoft.com/office/powerpoint/2012/main" xmlns:ahyp="http://schemas.microsoft.com/office/drawing/2018/hyperlinkcolor">
+  <p:cSld>
+    <p:spTree>
+      <p:nvGrpSpPr>
+        <p:cNvPr id="130" name="Shape 130"/>
+        <p:cNvGrpSpPr/>
+        <p:nvPr/>
+      </p:nvGrpSpPr>
+      <p:grpSpPr>
+        <a:xfrm>
+          <a:off x="0" y="0"/>
+          <a:ext cx="0" cy="0"/>
+          <a:chOff x="0" y="0"/>
+          <a:chExt cx="0" cy="0"/>
+        </a:xfrm>
+      </p:grpSpPr>
+      <p:sp>
+        <p:nvSpPr>
+          <p:cNvPr id="131" name="Google Shape;131;p25"/>
+          <p:cNvSpPr txBox="1"/>
+          <p:nvPr>
+            <p:ph type="title"/>
+          </p:nvPr>
+        </p:nvSpPr>
+        <p:spPr>
+          <a:xfrm>
+            <a:off x="311700" y="445025"/>
+            <a:ext cx="8520600" cy="572700"/>
+          </a:xfrm>
+          <a:prstGeom prst="rect">
+            <a:avLst/>
+          </a:prstGeom>
+        </p:spPr>
+        <p:txBody>
+          <a:bodyPr anchorCtr="0" anchor="t" bIns="91425" lIns="91425" spcFirstLastPara="1" rIns="91425" wrap="square" tIns="91425">
+            <a:normAutofit fontScale="90000"/>
+          </a:bodyPr>
+          <a:lstStyle/>
+          <a:p>
+            <a:pPr indent="0" lvl="0" marL="0" rtl="0" algn="l">
+              <a:spcBef>
+                <a:spcPts val="0"/>
+              </a:spcBef>
+              <a:spcAft>
+                <a:spcPts val="0"/>
+              </a:spcAft>
+              <a:buNone/>
+            </a:pPr>
+            <a:r>
+              <a:rPr lang="zh-TW"/>
+              <a:t>Issue to be solved:</a:t>
+            </a:r>
+            <a:endParaRPr/>
+          </a:p>
+        </p:txBody>
+      </p:sp>
+      <p:sp>
+        <p:nvSpPr>
+          <p:cNvPr id="132" name="Google Shape;132;p25"/>
+          <p:cNvSpPr txBox="1"/>
+          <p:nvPr>
+            <p:ph idx="1" type="body"/>
+          </p:nvPr>
+        </p:nvSpPr>
+        <p:spPr>
+          <a:xfrm>
+            <a:off x="311700" y="1152475"/>
+            <a:ext cx="8520600" cy="3416400"/>
+          </a:xfrm>
+          <a:prstGeom prst="rect">
+            <a:avLst/>
+          </a:prstGeom>
+        </p:spPr>
+        <p:txBody>
+          <a:bodyPr anchorCtr="0" anchor="t" bIns="91425" lIns="91425" spcFirstLastPara="1" rIns="91425" wrap="square" tIns="91425">
+            <a:normAutofit/>
+          </a:bodyPr>
+          <a:lstStyle/>
+          <a:p>
+            <a:pPr indent="0" lvl="0" marL="0" rtl="0" algn="l">
+              <a:spcBef>
+                <a:spcPts val="0"/>
+              </a:spcBef>
+              <a:spcAft>
+                <a:spcPts val="0"/>
+              </a:spcAft>
+              <a:buNone/>
+            </a:pPr>
+            <a:r>
+              <a:rPr lang="zh-TW"/>
+              <a:t>Start up acceleration value is not precise</a:t>
+            </a:r>
+            <a:endParaRPr/>
+          </a:p>
+          <a:p>
+            <a:pPr indent="0" lvl="0" marL="0" rtl="0" algn="l">
+              <a:spcBef>
+                <a:spcPts val="1200"/>
+              </a:spcBef>
+              <a:spcAft>
+                <a:spcPts val="0"/>
+              </a:spcAft>
+              <a:buNone/>
+            </a:pPr>
+            <a:r>
+              <a:rPr lang="zh-TW"/>
+              <a:t>Gps data might take a while for TTFF </a:t>
+            </a:r>
+            <a:endParaRPr/>
+          </a:p>
+          <a:p>
+            <a:pPr indent="0" lvl="0" marL="0" rtl="0" algn="l">
+              <a:spcBef>
+                <a:spcPts val="1200"/>
+              </a:spcBef>
+              <a:spcAft>
+                <a:spcPts val="0"/>
+              </a:spcAft>
+              <a:buNone/>
+            </a:pPr>
+            <a:r>
+              <a:rPr lang="zh-TW"/>
+              <a:t>Gps signal is too weak indoor for neo-6m </a:t>
+            </a:r>
+            <a:endParaRPr/>
+          </a:p>
+          <a:p>
+            <a:pPr indent="0" lvl="0" marL="0" rtl="0" algn="l">
+              <a:spcBef>
+                <a:spcPts val="1200"/>
+              </a:spcBef>
+              <a:spcAft>
+                <a:spcPts val="1200"/>
+              </a:spcAft>
+              <a:buNone/>
+            </a:pPr>
+            <a:r>
+              <a:t/>
+            </a:r>
+            <a:endParaRPr/>
+          </a:p>
+        </p:txBody>
+      </p:sp>
+    </p:spTree>
+  </p:cSld>
+  <p:clrMapOvr>
+    <a:masterClrMapping/>
+  </p:clrMapOvr>
+</p:sld>
+</file>
+
+<file path=ppt/slides/slide14.xml><?xml version="1.0" encoding="utf-8"?>
+<p:sld xmlns:a="http://schemas.openxmlformats.org/drawingml/2006/main" xmlns:r="http://schemas.openxmlformats.org/officeDocument/2006/relationships" xmlns:mc="http://schemas.openxmlformats.org/markup-compatibility/2006" xmlns:mv="urn:schemas-microsoft-com:mac:vml" xmlns:p="http://schemas.openxmlformats.org/presentationml/2006/main" xmlns:c="http://schemas.openxmlformats.org/drawingml/2006/chart" xmlns:dgm="http://schemas.openxmlformats.org/drawingml/2006/diagram" xmlns:o="urn:schemas-microsoft-com:office:office" xmlns:v="urn:schemas-microsoft-com:vml" xmlns:pvml="urn:schemas-microsoft-com:office:powerpoint" xmlns:com="http://schemas.openxmlformats.org/drawingml/2006/compatibility" xmlns:p14="http://schemas.microsoft.com/office/powerpoint/2010/main" xmlns:p15="http://schemas.microsoft.com/office/powerpoint/2012/main" xmlns:ahyp="http://schemas.microsoft.com/office/drawing/2018/hyperlinkcolor">
+  <p:cSld>
+    <p:spTree>
+      <p:nvGrpSpPr>
+        <p:cNvPr id="136" name="Shape 136"/>
+        <p:cNvGrpSpPr/>
+        <p:nvPr/>
+      </p:nvGrpSpPr>
+      <p:grpSpPr>
+        <a:xfrm>
+          <a:off x="0" y="0"/>
+          <a:ext cx="0" cy="0"/>
+          <a:chOff x="0" y="0"/>
+          <a:chExt cx="0" cy="0"/>
+        </a:xfrm>
+      </p:grpSpPr>
+      <p:sp>
+        <p:nvSpPr>
+          <p:cNvPr id="137" name="Google Shape;137;p26"/>
+          <p:cNvSpPr txBox="1"/>
+          <p:nvPr>
+            <p:ph type="title"/>
+          </p:nvPr>
+        </p:nvSpPr>
+        <p:spPr>
+          <a:xfrm>
+            <a:off x="311700" y="445025"/>
+            <a:ext cx="8520600" cy="572700"/>
+          </a:xfrm>
+          <a:prstGeom prst="rect">
+            <a:avLst/>
+          </a:prstGeom>
+        </p:spPr>
+        <p:txBody>
+          <a:bodyPr anchorCtr="0" anchor="t" bIns="91425" lIns="91425" spcFirstLastPara="1" rIns="91425" wrap="square" tIns="91425">
+            <a:normAutofit fontScale="90000"/>
+          </a:bodyPr>
+          <a:lstStyle/>
+          <a:p>
+            <a:pPr indent="0" lvl="0" marL="0" rtl="0" algn="l">
+              <a:spcBef>
+                <a:spcPts val="0"/>
+              </a:spcBef>
+              <a:spcAft>
+                <a:spcPts val="0"/>
+              </a:spcAft>
+              <a:buNone/>
+            </a:pPr>
+            <a:r>
+              <a:rPr lang="zh-TW"/>
+              <a:t>REFERENCE:</a:t>
+            </a:r>
+            <a:endParaRPr/>
+          </a:p>
+        </p:txBody>
+      </p:sp>
+      <p:sp>
+        <p:nvSpPr>
+          <p:cNvPr id="138" name="Google Shape;138;p26"/>
+          <p:cNvSpPr txBox="1"/>
+          <p:nvPr>
+            <p:ph idx="1" type="body"/>
+          </p:nvPr>
+        </p:nvSpPr>
+        <p:spPr>
+          <a:xfrm>
+            <a:off x="311700" y="1152475"/>
+            <a:ext cx="8520600" cy="3416400"/>
+          </a:xfrm>
+          <a:prstGeom prst="rect">
+            <a:avLst/>
+          </a:prstGeom>
+        </p:spPr>
+        <p:txBody>
+          <a:bodyPr anchorCtr="0" anchor="t" bIns="91425" lIns="91425" spcFirstLastPara="1" rIns="91425" wrap="square" tIns="91425">
+            <a:normAutofit lnSpcReduction="10000"/>
+          </a:bodyPr>
+          <a:lstStyle/>
+          <a:p>
+            <a:pPr indent="0" lvl="0" marL="0" rtl="0" algn="l">
+              <a:spcBef>
+                <a:spcPts val="0"/>
+              </a:spcBef>
+              <a:spcAft>
+                <a:spcPts val="0"/>
+              </a:spcAft>
+              <a:buNone/>
+            </a:pPr>
+            <a:r>
+              <a:rPr lang="zh-TW" u="sng">
+                <a:solidFill>
+                  <a:schemeClr val="hlink"/>
+                </a:solidFill>
+                <a:hlinkClick r:id="rId3"/>
+              </a:rPr>
+              <a:t>https://os.mbed.com/teams/mbed-os-examples/code/mbed-os-example-mbed5-wifi//annotate/86dca48315d8/main.cpp/</a:t>
+            </a:r>
+            <a:r>
+              <a:rPr lang="zh-TW"/>
+              <a:t> </a:t>
+            </a:r>
+            <a:endParaRPr/>
+          </a:p>
+          <a:p>
+            <a:pPr indent="0" lvl="0" marL="0" rtl="0" algn="l">
+              <a:spcBef>
+                <a:spcPts val="1200"/>
+              </a:spcBef>
+              <a:spcAft>
+                <a:spcPts val="0"/>
+              </a:spcAft>
+              <a:buNone/>
+            </a:pPr>
+            <a:r>
+              <a:rPr lang="zh-TW" u="sng">
+                <a:solidFill>
+                  <a:schemeClr val="hlink"/>
+                </a:solidFill>
+                <a:hlinkClick r:id="rId4"/>
+              </a:rPr>
+              <a:t>http://aprs.gids.nl/nmea/</a:t>
+            </a:r>
+            <a:r>
+              <a:rPr lang="zh-TW"/>
+              <a:t> </a:t>
+            </a:r>
+            <a:endParaRPr/>
+          </a:p>
+          <a:p>
+            <a:pPr indent="0" lvl="0" marL="0" rtl="0" algn="l">
+              <a:spcBef>
+                <a:spcPts val="1200"/>
+              </a:spcBef>
+              <a:spcAft>
+                <a:spcPts val="0"/>
+              </a:spcAft>
+              <a:buNone/>
+            </a:pPr>
+            <a:r>
+              <a:rPr lang="zh-TW" u="sng">
+                <a:solidFill>
+                  <a:schemeClr val="hlink"/>
+                </a:solidFill>
+                <a:hlinkClick r:id="rId5"/>
+              </a:rPr>
+              <a:t>https://os.mbed.com/users/nliu96/code/GPS-Library/</a:t>
+            </a:r>
+            <a:r>
+              <a:rPr lang="zh-TW"/>
+              <a:t> </a:t>
+            </a:r>
+            <a:endParaRPr/>
+          </a:p>
+          <a:p>
+            <a:pPr indent="0" lvl="0" marL="0" rtl="0" algn="l">
+              <a:spcBef>
+                <a:spcPts val="1200"/>
+              </a:spcBef>
+              <a:spcAft>
+                <a:spcPts val="0"/>
+              </a:spcAft>
+              <a:buNone/>
+            </a:pPr>
+            <a:r>
+              <a:rPr lang="zh-TW"/>
+              <a:t>基於加速度特徵值之模糊手勢識別系統</a:t>
+            </a:r>
+            <a:endParaRPr/>
+          </a:p>
+          <a:p>
+            <a:pPr indent="0" lvl="0" marL="0" rtl="0" algn="l">
+              <a:spcBef>
+                <a:spcPts val="1200"/>
+              </a:spcBef>
+              <a:spcAft>
+                <a:spcPts val="0"/>
+              </a:spcAft>
+              <a:buNone/>
+            </a:pPr>
+            <a:r>
+              <a:rPr lang="zh-TW" u="sng">
+                <a:solidFill>
+                  <a:schemeClr val="hlink"/>
+                </a:solidFill>
+                <a:hlinkClick r:id="rId6"/>
+              </a:rPr>
+              <a:t>http://163.17.20.49/IJAIT/IJAIT%207(2)/IJAIT%207(2)_09.pdf</a:t>
+            </a:r>
+            <a:endParaRPr/>
+          </a:p>
+          <a:p>
+            <a:pPr indent="0" lvl="0" marL="0" rtl="0" algn="l">
+              <a:spcBef>
+                <a:spcPts val="1200"/>
+              </a:spcBef>
+              <a:spcAft>
+                <a:spcPts val="0"/>
+              </a:spcAft>
+              <a:buNone/>
+            </a:pPr>
+            <a:r>
+              <a:t/>
+            </a:r>
+            <a:endParaRPr/>
+          </a:p>
+          <a:p>
+            <a:pPr indent="0" lvl="0" marL="0" rtl="0" algn="l">
+              <a:spcBef>
+                <a:spcPts val="1200"/>
+              </a:spcBef>
+              <a:spcAft>
+                <a:spcPts val="1200"/>
+              </a:spcAft>
+              <a:buNone/>
+            </a:pPr>
+            <a:r>
+              <a:t/>
+            </a:r>
+            <a:endParaRPr/>
+          </a:p>
+        </p:txBody>
+      </p:sp>
+    </p:spTree>
+  </p:cSld>
+  <p:clrMapOvr>
+    <a:masterClrMapping/>
+  </p:clrMapOvr>
+</p:sld>
+</file>
+
+<file path=ppt/slides/slide15.xml><?xml version="1.0" encoding="utf-8"?>
+<p:sld xmlns:a="http://schemas.openxmlformats.org/drawingml/2006/main" xmlns:r="http://schemas.openxmlformats.org/officeDocument/2006/relationships" xmlns:mc="http://schemas.openxmlformats.org/markup-compatibility/2006" xmlns:mv="urn:schemas-microsoft-com:mac:vml" xmlns:p="http://schemas.openxmlformats.org/presentationml/2006/main" xmlns:c="http://schemas.openxmlformats.org/drawingml/2006/chart" xmlns:dgm="http://schemas.openxmlformats.org/drawingml/2006/diagram" xmlns:o="urn:schemas-microsoft-com:office:office" xmlns:v="urn:schemas-microsoft-com:vml" xmlns:pvml="urn:schemas-microsoft-com:office:powerpoint" xmlns:com="http://schemas.openxmlformats.org/drawingml/2006/compatibility" xmlns:p14="http://schemas.microsoft.com/office/powerpoint/2010/main" xmlns:p15="http://schemas.microsoft.com/office/powerpoint/2012/main" xmlns:ahyp="http://schemas.microsoft.com/office/drawing/2018/hyperlinkcolor">
+  <p:cSld>
+    <p:spTree>
+      <p:nvGrpSpPr>
+        <p:cNvPr id="142" name="Shape 142"/>
+        <p:cNvGrpSpPr/>
+        <p:nvPr/>
+      </p:nvGrpSpPr>
+      <p:grpSpPr>
+        <a:xfrm>
+          <a:off x="0" y="0"/>
+          <a:ext cx="0" cy="0"/>
+          <a:chOff x="0" y="0"/>
+          <a:chExt cx="0" cy="0"/>
+        </a:xfrm>
+      </p:grpSpPr>
+      <p:sp>
+        <p:nvSpPr>
+          <p:cNvPr id="143" name="Google Shape;143;p27"/>
+          <p:cNvSpPr txBox="1"/>
+          <p:nvPr>
+            <p:ph type="title"/>
+          </p:nvPr>
+        </p:nvSpPr>
+        <p:spPr>
+          <a:xfrm>
+            <a:off x="311700" y="445025"/>
+            <a:ext cx="8520600" cy="572700"/>
+          </a:xfrm>
+          <a:prstGeom prst="rect">
+            <a:avLst/>
+          </a:prstGeom>
+        </p:spPr>
+        <p:txBody>
+          <a:bodyPr anchorCtr="0" anchor="t" bIns="91425" lIns="91425" spcFirstLastPara="1" rIns="91425" wrap="square" tIns="91425">
+            <a:normAutofit fontScale="90000"/>
+          </a:bodyPr>
+          <a:lstStyle/>
+          <a:p>
+            <a:pPr indent="0" lvl="0" marL="0" rtl="0" algn="l">
+              <a:spcBef>
+                <a:spcPts val="0"/>
+              </a:spcBef>
+              <a:spcAft>
+                <a:spcPts val="0"/>
+              </a:spcAft>
+              <a:buNone/>
+            </a:pPr>
+            <a:r>
+              <a:rPr lang="zh-TW"/>
               <a:t>DEMO:</a:t>
             </a:r>
             <a:endParaRPr/>
@@ -7194,7 +7865,7 @@
       </p:sp>
       <p:sp>
         <p:nvSpPr>
-          <p:cNvPr id="126" name="Google Shape;126;p24"/>
+          <p:cNvPr id="144" name="Google Shape;144;p27"/>
           <p:cNvSpPr txBox="1"/>
           <p:nvPr>
             <p:ph idx="1" type="body"/>
@@ -7651,7 +8322,7 @@
             </a:pPr>
             <a:r>
               <a:rPr lang="zh-TW"/>
-              <a:t>Data Analysis</a:t>
+              <a:t>GPS:</a:t>
             </a:r>
             <a:endParaRPr/>
           </a:p>
@@ -7685,46 +8356,102 @@
                 <a:spcPts val="0"/>
               </a:spcBef>
               <a:spcAft>
-                <a:spcPts val="1200"/>
+                <a:spcPts val="0"/>
               </a:spcAft>
               <a:buNone/>
             </a:pPr>
             <a:r>
               <a:rPr lang="zh-TW"/>
-              <a:t>蒐集並分析正常、急煞、轉彎、滑動、蛇行、傾斜等騎乘方式的加速度資料，判斷駕駛是否正常行駛。</a:t>
+              <a:t>GPRMC DATA:</a:t>
+            </a:r>
+            <a:endParaRPr/>
+          </a:p>
+          <a:p>
+            <a:pPr indent="457200" lvl="0" marL="0" rtl="0" algn="l">
+              <a:spcBef>
+                <a:spcPts val="1200"/>
+              </a:spcBef>
+              <a:spcAft>
+                <a:spcPts val="0"/>
+              </a:spcAft>
+              <a:buNone/>
+            </a:pPr>
+            <a:r>
+              <a:rPr lang="zh-TW"/>
+              <a:t>data format:</a:t>
+            </a:r>
+            <a:r>
+              <a:rPr lang="zh-TW"/>
+              <a:t>($GPRMC,&lt;1&gt;,&lt;2&gt;,&lt;3&gt;,&lt;4&gt;,&lt;5&gt;,&lt;6&gt;,&lt;7&gt;,&lt;8&gt;,&lt;9&gt;,&lt;10&gt;,&lt;11&gt;)</a:t>
+            </a:r>
+            <a:endParaRPr/>
+          </a:p>
+          <a:p>
+            <a:pPr indent="457200" lvl="0" marL="0" rtl="0" algn="l">
+              <a:spcBef>
+                <a:spcPts val="1200"/>
+              </a:spcBef>
+              <a:spcAft>
+                <a:spcPts val="0"/>
+              </a:spcAft>
+              <a:buNone/>
+            </a:pPr>
+            <a:r>
+              <a:rPr lang="zh-TW"/>
+              <a:t>&lt;1&gt;Time</a:t>
+            </a:r>
+            <a:endParaRPr/>
+          </a:p>
+          <a:p>
+            <a:pPr indent="457200" lvl="0" marL="0" rtl="0" algn="l">
+              <a:spcBef>
+                <a:spcPts val="1200"/>
+              </a:spcBef>
+              <a:spcAft>
+                <a:spcPts val="0"/>
+              </a:spcAft>
+              <a:buNone/>
+            </a:pPr>
+            <a:r>
+              <a:rPr lang="zh-TW"/>
+              <a:t>&lt;2&gt;Valid</a:t>
+            </a:r>
+            <a:endParaRPr/>
+          </a:p>
+          <a:p>
+            <a:pPr indent="457200" lvl="0" marL="0" rtl="0" algn="l">
+              <a:spcBef>
+                <a:spcPts val="1200"/>
+              </a:spcBef>
+              <a:spcAft>
+                <a:spcPts val="0"/>
+              </a:spcAft>
+              <a:buNone/>
+            </a:pPr>
+            <a:r>
+              <a:rPr lang="zh-TW"/>
+              <a:t>&lt;3&gt;Longitude</a:t>
+            </a:r>
+            <a:endParaRPr/>
+          </a:p>
+          <a:p>
+            <a:pPr indent="457200" lvl="0" marL="0" rtl="0" algn="l">
+              <a:spcBef>
+                <a:spcPts val="1200"/>
+              </a:spcBef>
+              <a:spcAft>
+                <a:spcPts val="1200"/>
+              </a:spcAft>
+              <a:buNone/>
+            </a:pPr>
+            <a:r>
+              <a:rPr lang="zh-TW"/>
+              <a:t>&lt;5&gt;Latitude</a:t>
             </a:r>
             <a:endParaRPr/>
           </a:p>
         </p:txBody>
       </p:sp>
-      <p:pic>
-        <p:nvPicPr>
-          <p:cNvPr id="75" name="Google Shape;75;p16"/>
-          <p:cNvPicPr preferRelativeResize="0"/>
-          <p:nvPr/>
-        </p:nvPicPr>
-        <p:blipFill>
-          <a:blip r:embed="rId3">
-            <a:alphaModFix/>
-          </a:blip>
-          <a:stretch>
-            <a:fillRect/>
-          </a:stretch>
-        </p:blipFill>
-        <p:spPr>
-          <a:xfrm>
-            <a:off x="4074124" y="1883450"/>
-            <a:ext cx="4758175" cy="2685425"/>
-          </a:xfrm>
-          <a:prstGeom prst="rect">
-            <a:avLst/>
-          </a:prstGeom>
-          <a:noFill/>
-          <a:ln>
-            <a:noFill/>
-          </a:ln>
-        </p:spPr>
-      </p:pic>
     </p:spTree>
   </p:cSld>
   <p:clrMapOvr>
@@ -7738,7 +8465,7 @@
   <p:cSld>
     <p:spTree>
       <p:nvGrpSpPr>
-        <p:cNvPr id="79" name="Shape 79"/>
+        <p:cNvPr id="78" name="Shape 78"/>
         <p:cNvGrpSpPr/>
         <p:nvPr/>
       </p:nvGrpSpPr>
@@ -7752,7 +8479,7 @@
       </p:grpSpPr>
       <p:sp>
         <p:nvSpPr>
-          <p:cNvPr id="80" name="Google Shape;80;p17"/>
+          <p:cNvPr id="79" name="Google Shape;79;p17"/>
           <p:cNvSpPr txBox="1"/>
           <p:nvPr>
             <p:ph type="title"/>
@@ -7783,7 +8510,8 @@
               <a:buNone/>
             </a:pPr>
             <a:r>
-              <a:t/>
+              <a:rPr lang="zh-TW"/>
+              <a:t>Data Analysis</a:t>
             </a:r>
             <a:endParaRPr/>
           </a:p>
@@ -7791,7 +8519,7 @@
       </p:sp>
       <p:sp>
         <p:nvSpPr>
-          <p:cNvPr id="81" name="Google Shape;81;p17"/>
+          <p:cNvPr id="80" name="Google Shape;80;p17"/>
           <p:cNvSpPr txBox="1"/>
           <p:nvPr>
             <p:ph idx="1" type="body"/>
@@ -7822,7 +8550,8 @@
               <a:buNone/>
             </a:pPr>
             <a:r>
-              <a:t/>
+              <a:rPr lang="zh-TW"/>
+              <a:t>蒐集並分析正常、急煞、轉彎、滑動、蛇行、傾斜等騎乘方式的加速度資料，判斷駕駛是否正常行駛。</a:t>
             </a:r>
             <a:endParaRPr/>
           </a:p>
@@ -7830,7 +8559,7 @@
       </p:sp>
       <p:pic>
         <p:nvPicPr>
-          <p:cNvPr id="82" name="Google Shape;82;p17"/>
+          <p:cNvPr id="81" name="Google Shape;81;p17"/>
           <p:cNvPicPr preferRelativeResize="0"/>
           <p:nvPr/>
         </p:nvPicPr>
@@ -7844,8 +8573,8 @@
         </p:blipFill>
         <p:spPr>
           <a:xfrm>
-            <a:off x="1013673" y="0"/>
-            <a:ext cx="7116652" cy="5143499"/>
+            <a:off x="4074124" y="1883450"/>
+            <a:ext cx="4758175" cy="2685425"/>
           </a:xfrm>
           <a:prstGeom prst="rect">
             <a:avLst/>
@@ -7869,7 +8598,7 @@
   <p:cSld>
     <p:spTree>
       <p:nvGrpSpPr>
-        <p:cNvPr id="86" name="Shape 86"/>
+        <p:cNvPr id="85" name="Shape 85"/>
         <p:cNvGrpSpPr/>
         <p:nvPr/>
       </p:nvGrpSpPr>
@@ -7883,7 +8612,7 @@
       </p:grpSpPr>
       <p:sp>
         <p:nvSpPr>
-          <p:cNvPr id="87" name="Google Shape;87;p18"/>
+          <p:cNvPr id="86" name="Google Shape;86;p18"/>
           <p:cNvSpPr txBox="1"/>
           <p:nvPr>
             <p:ph type="title"/>
@@ -7922,7 +8651,7 @@
       </p:sp>
       <p:sp>
         <p:nvSpPr>
-          <p:cNvPr id="88" name="Google Shape;88;p18"/>
+          <p:cNvPr id="87" name="Google Shape;87;p18"/>
           <p:cNvSpPr txBox="1"/>
           <p:nvPr>
             <p:ph idx="1" type="body"/>
@@ -7961,7 +8690,7 @@
       </p:sp>
       <p:pic>
         <p:nvPicPr>
-          <p:cNvPr id="89" name="Google Shape;89;p18"/>
+          <p:cNvPr id="88" name="Google Shape;88;p18"/>
           <p:cNvPicPr preferRelativeResize="0"/>
           <p:nvPr/>
         </p:nvPicPr>
@@ -7975,8 +8704,8 @@
         </p:blipFill>
         <p:spPr>
           <a:xfrm>
-            <a:off x="1055906" y="0"/>
-            <a:ext cx="7032188" cy="5143500"/>
+            <a:off x="1013673" y="0"/>
+            <a:ext cx="7116652" cy="5143499"/>
           </a:xfrm>
           <a:prstGeom prst="rect">
             <a:avLst/>
@@ -8000,7 +8729,7 @@
   <p:cSld>
     <p:spTree>
       <p:nvGrpSpPr>
-        <p:cNvPr id="93" name="Shape 93"/>
+        <p:cNvPr id="92" name="Shape 92"/>
         <p:cNvGrpSpPr/>
         <p:nvPr/>
       </p:nvGrpSpPr>
@@ -8014,7 +8743,7 @@
       </p:grpSpPr>
       <p:sp>
         <p:nvSpPr>
-          <p:cNvPr id="94" name="Google Shape;94;p19"/>
+          <p:cNvPr id="93" name="Google Shape;93;p19"/>
           <p:cNvSpPr txBox="1"/>
           <p:nvPr>
             <p:ph type="title"/>
@@ -8045,8 +8774,7 @@
               <a:buNone/>
             </a:pPr>
             <a:r>
-              <a:rPr lang="zh-TW"/>
-              <a:t>Fuzzy Classification</a:t>
+              <a:t/>
             </a:r>
             <a:endParaRPr/>
           </a:p>
@@ -8054,7 +8782,7 @@
       </p:sp>
       <p:sp>
         <p:nvSpPr>
-          <p:cNvPr id="95" name="Google Shape;95;p19"/>
+          <p:cNvPr id="94" name="Google Shape;94;p19"/>
           <p:cNvSpPr txBox="1"/>
           <p:nvPr>
             <p:ph idx="1" type="body"/>
@@ -8080,50 +8808,45 @@
                 <a:spcPts val="0"/>
               </a:spcBef>
               <a:spcAft>
-                <a:spcPts val="0"/>
+                <a:spcPts val="1200"/>
               </a:spcAft>
               <a:buNone/>
             </a:pPr>
             <a:r>
-              <a:rPr lang="zh-TW"/>
-              <a:t>建立大小為80（約1s）的buffer，紀錄一秒內的加速度大小。</a:t>
-            </a:r>
-            <a:endParaRPr/>
-          </a:p>
-          <a:p>
-            <a:pPr indent="0" lvl="0" marL="0" rtl="0" algn="l">
-              <a:spcBef>
-                <a:spcPts val="1200"/>
-              </a:spcBef>
-              <a:spcAft>
-                <a:spcPts val="0"/>
-              </a:spcAft>
-              <a:buNone/>
-            </a:pPr>
-            <a:r>
-              <a:rPr lang="zh-TW"/>
-              <a:t>Axi表示為x軸加速度統計量所對應之歸屬函數程度，並將其畫分為 L=Low 、 M=Medium、H=High。而 i 分別代表為加速度大小H=(+1, inf)、M=(-1, +1)、L=(-inf, -1)。</a:t>
-            </a:r>
-            <a:endParaRPr/>
-          </a:p>
-          <a:p>
-            <a:pPr indent="0" lvl="0" marL="0" rtl="0" algn="l">
-              <a:spcBef>
-                <a:spcPts val="1200"/>
-              </a:spcBef>
-              <a:spcAft>
-                <a:spcPts val="1200"/>
-              </a:spcAft>
-              <a:buNone/>
-            </a:pPr>
-            <a:r>
-              <a:rPr lang="zh-TW"/>
-              <a:t>Ayi, Azi同理。</a:t>
+              <a:t/>
             </a:r>
             <a:endParaRPr/>
           </a:p>
         </p:txBody>
       </p:sp>
+      <p:pic>
+        <p:nvPicPr>
+          <p:cNvPr id="95" name="Google Shape;95;p19"/>
+          <p:cNvPicPr preferRelativeResize="0"/>
+          <p:nvPr/>
+        </p:nvPicPr>
+        <p:blipFill>
+          <a:blip r:embed="rId3">
+            <a:alphaModFix/>
+          </a:blip>
+          <a:stretch>
+            <a:fillRect/>
+          </a:stretch>
+        </p:blipFill>
+        <p:spPr>
+          <a:xfrm>
+            <a:off x="1055906" y="0"/>
+            <a:ext cx="7032188" cy="5143500"/>
+          </a:xfrm>
+          <a:prstGeom prst="rect">
+            <a:avLst/>
+          </a:prstGeom>
+          <a:noFill/>
+          <a:ln>
+            <a:noFill/>
+          </a:ln>
+        </p:spPr>
+      </p:pic>
     </p:spTree>
   </p:cSld>
   <p:clrMapOvr>
@@ -8183,6 +8906,143 @@
             </a:pPr>
             <a:r>
               <a:rPr lang="zh-TW"/>
+              <a:t>Fuzzy Classification</a:t>
+            </a:r>
+            <a:endParaRPr/>
+          </a:p>
+        </p:txBody>
+      </p:sp>
+      <p:sp>
+        <p:nvSpPr>
+          <p:cNvPr id="101" name="Google Shape;101;p20"/>
+          <p:cNvSpPr txBox="1"/>
+          <p:nvPr>
+            <p:ph idx="1" type="body"/>
+          </p:nvPr>
+        </p:nvSpPr>
+        <p:spPr>
+          <a:xfrm>
+            <a:off x="311700" y="1152475"/>
+            <a:ext cx="8520600" cy="3416400"/>
+          </a:xfrm>
+          <a:prstGeom prst="rect">
+            <a:avLst/>
+          </a:prstGeom>
+        </p:spPr>
+        <p:txBody>
+          <a:bodyPr anchorCtr="0" anchor="t" bIns="91425" lIns="91425" spcFirstLastPara="1" rIns="91425" wrap="square" tIns="91425">
+            <a:normAutofit/>
+          </a:bodyPr>
+          <a:lstStyle/>
+          <a:p>
+            <a:pPr indent="0" lvl="0" marL="0" rtl="0" algn="l">
+              <a:spcBef>
+                <a:spcPts val="0"/>
+              </a:spcBef>
+              <a:spcAft>
+                <a:spcPts val="0"/>
+              </a:spcAft>
+              <a:buNone/>
+            </a:pPr>
+            <a:r>
+              <a:rPr lang="zh-TW"/>
+              <a:t>建立大小為80（約1s）的buffer，紀錄一秒內的加速度大小。</a:t>
+            </a:r>
+            <a:endParaRPr/>
+          </a:p>
+          <a:p>
+            <a:pPr indent="0" lvl="0" marL="0" rtl="0" algn="l">
+              <a:spcBef>
+                <a:spcPts val="1200"/>
+              </a:spcBef>
+              <a:spcAft>
+                <a:spcPts val="0"/>
+              </a:spcAft>
+              <a:buNone/>
+            </a:pPr>
+            <a:r>
+              <a:rPr lang="zh-TW"/>
+              <a:t>Axi表示為x軸加速度統計量所對應之歸屬函數程度，並將其畫分為 L=Low 、 M=Medium、H=High。而 i 分別代表為加速度大小H=(+1, inf)、M=(-1, +1)、L=(-inf, -1)。</a:t>
+            </a:r>
+            <a:endParaRPr/>
+          </a:p>
+          <a:p>
+            <a:pPr indent="0" lvl="0" marL="0" rtl="0" algn="l">
+              <a:spcBef>
+                <a:spcPts val="1200"/>
+              </a:spcBef>
+              <a:spcAft>
+                <a:spcPts val="1200"/>
+              </a:spcAft>
+              <a:buNone/>
+            </a:pPr>
+            <a:r>
+              <a:rPr lang="zh-TW"/>
+              <a:t>Ayi, Azi同理。</a:t>
+            </a:r>
+            <a:endParaRPr/>
+          </a:p>
+        </p:txBody>
+      </p:sp>
+    </p:spTree>
+  </p:cSld>
+  <p:clrMapOvr>
+    <a:masterClrMapping/>
+  </p:clrMapOvr>
+</p:sld>
+</file>
+
+<file path=ppt/slides/slide9.xml><?xml version="1.0" encoding="utf-8"?>
+<p:sld xmlns:a="http://schemas.openxmlformats.org/drawingml/2006/main" xmlns:r="http://schemas.openxmlformats.org/officeDocument/2006/relationships" xmlns:mc="http://schemas.openxmlformats.org/markup-compatibility/2006" xmlns:mv="urn:schemas-microsoft-com:mac:vml" xmlns:p="http://schemas.openxmlformats.org/presentationml/2006/main" xmlns:c="http://schemas.openxmlformats.org/drawingml/2006/chart" xmlns:dgm="http://schemas.openxmlformats.org/drawingml/2006/diagram" xmlns:o="urn:schemas-microsoft-com:office:office" xmlns:v="urn:schemas-microsoft-com:vml" xmlns:pvml="urn:schemas-microsoft-com:office:powerpoint" xmlns:com="http://schemas.openxmlformats.org/drawingml/2006/compatibility" xmlns:p14="http://schemas.microsoft.com/office/powerpoint/2010/main" xmlns:p15="http://schemas.microsoft.com/office/powerpoint/2012/main" xmlns:ahyp="http://schemas.microsoft.com/office/drawing/2018/hyperlinkcolor">
+  <p:cSld>
+    <p:spTree>
+      <p:nvGrpSpPr>
+        <p:cNvPr id="105" name="Shape 105"/>
+        <p:cNvGrpSpPr/>
+        <p:nvPr/>
+      </p:nvGrpSpPr>
+      <p:grpSpPr>
+        <a:xfrm>
+          <a:off x="0" y="0"/>
+          <a:ext cx="0" cy="0"/>
+          <a:chOff x="0" y="0"/>
+          <a:chExt cx="0" cy="0"/>
+        </a:xfrm>
+      </p:grpSpPr>
+      <p:sp>
+        <p:nvSpPr>
+          <p:cNvPr id="106" name="Google Shape;106;p21"/>
+          <p:cNvSpPr txBox="1"/>
+          <p:nvPr>
+            <p:ph type="title"/>
+          </p:nvPr>
+        </p:nvSpPr>
+        <p:spPr>
+          <a:xfrm>
+            <a:off x="311700" y="445025"/>
+            <a:ext cx="8520600" cy="572700"/>
+          </a:xfrm>
+          <a:prstGeom prst="rect">
+            <a:avLst/>
+          </a:prstGeom>
+        </p:spPr>
+        <p:txBody>
+          <a:bodyPr anchorCtr="0" anchor="t" bIns="91425" lIns="91425" spcFirstLastPara="1" rIns="91425" wrap="square" tIns="91425">
+            <a:normAutofit fontScale="90000"/>
+          </a:bodyPr>
+          <a:lstStyle/>
+          <a:p>
+            <a:pPr indent="0" lvl="0" marL="0" rtl="0" algn="l">
+              <a:spcBef>
+                <a:spcPts val="0"/>
+              </a:spcBef>
+              <a:spcAft>
+                <a:spcPts val="0"/>
+              </a:spcAft>
+              <a:buNone/>
+            </a:pPr>
+            <a:r>
+              <a:rPr lang="zh-TW"/>
               <a:t>Data Processing</a:t>
             </a:r>
             <a:endParaRPr/>
@@ -8191,7 +9051,7 @@
       </p:sp>
       <p:sp>
         <p:nvSpPr>
-          <p:cNvPr id="101" name="Google Shape;101;p20"/>
+          <p:cNvPr id="107" name="Google Shape;107;p21"/>
           <p:cNvSpPr txBox="1"/>
           <p:nvPr>
             <p:ph idx="1" type="body"/>
@@ -8319,7 +9179,7 @@
       </p:sp>
       <p:pic>
         <p:nvPicPr>
-          <p:cNvPr id="102" name="Google Shape;102;p20"/>
+          <p:cNvPr id="108" name="Google Shape;108;p21"/>
           <p:cNvPicPr preferRelativeResize="0"/>
           <p:nvPr/>
         </p:nvPicPr>
@@ -8345,111 +9205,6 @@
           </a:ln>
         </p:spPr>
       </p:pic>
-    </p:spTree>
-  </p:cSld>
-  <p:clrMapOvr>
-    <a:masterClrMapping/>
-  </p:clrMapOvr>
-</p:sld>
-</file>
-
-<file path=ppt/slides/slide9.xml><?xml version="1.0" encoding="utf-8"?>
-<p:sld xmlns:a="http://schemas.openxmlformats.org/drawingml/2006/main" xmlns:r="http://schemas.openxmlformats.org/officeDocument/2006/relationships" xmlns:mc="http://schemas.openxmlformats.org/markup-compatibility/2006" xmlns:mv="urn:schemas-microsoft-com:mac:vml" xmlns:p="http://schemas.openxmlformats.org/presentationml/2006/main" xmlns:c="http://schemas.openxmlformats.org/drawingml/2006/chart" xmlns:dgm="http://schemas.openxmlformats.org/drawingml/2006/diagram" xmlns:o="urn:schemas-microsoft-com:office:office" xmlns:v="urn:schemas-microsoft-com:vml" xmlns:pvml="urn:schemas-microsoft-com:office:powerpoint" xmlns:com="http://schemas.openxmlformats.org/drawingml/2006/compatibility" xmlns:p14="http://schemas.microsoft.com/office/powerpoint/2010/main" xmlns:p15="http://schemas.microsoft.com/office/powerpoint/2012/main" xmlns:ahyp="http://schemas.microsoft.com/office/drawing/2018/hyperlinkcolor">
-  <p:cSld>
-    <p:spTree>
-      <p:nvGrpSpPr>
-        <p:cNvPr id="106" name="Shape 106"/>
-        <p:cNvGrpSpPr/>
-        <p:nvPr/>
-      </p:nvGrpSpPr>
-      <p:grpSpPr>
-        <a:xfrm>
-          <a:off x="0" y="0"/>
-          <a:ext cx="0" cy="0"/>
-          <a:chOff x="0" y="0"/>
-          <a:chExt cx="0" cy="0"/>
-        </a:xfrm>
-      </p:grpSpPr>
-      <p:sp>
-        <p:nvSpPr>
-          <p:cNvPr id="107" name="Google Shape;107;p21"/>
-          <p:cNvSpPr txBox="1"/>
-          <p:nvPr>
-            <p:ph type="title"/>
-          </p:nvPr>
-        </p:nvSpPr>
-        <p:spPr>
-          <a:xfrm>
-            <a:off x="311700" y="445025"/>
-            <a:ext cx="8520600" cy="572700"/>
-          </a:xfrm>
-          <a:prstGeom prst="rect">
-            <a:avLst/>
-          </a:prstGeom>
-        </p:spPr>
-        <p:txBody>
-          <a:bodyPr anchorCtr="0" anchor="t" bIns="91425" lIns="91425" spcFirstLastPara="1" rIns="91425" wrap="square" tIns="91425">
-            <a:normAutofit fontScale="90000"/>
-          </a:bodyPr>
-          <a:lstStyle/>
-          <a:p>
-            <a:pPr indent="0" lvl="0" marL="0" rtl="0" algn="l">
-              <a:spcBef>
-                <a:spcPts val="0"/>
-              </a:spcBef>
-              <a:spcAft>
-                <a:spcPts val="0"/>
-              </a:spcAft>
-              <a:buNone/>
-            </a:pPr>
-            <a:r>
-              <a:rPr lang="zh-TW"/>
-              <a:t>Data Transmit</a:t>
-            </a:r>
-            <a:endParaRPr/>
-          </a:p>
-        </p:txBody>
-      </p:sp>
-      <p:sp>
-        <p:nvSpPr>
-          <p:cNvPr id="108" name="Google Shape;108;p21"/>
-          <p:cNvSpPr txBox="1"/>
-          <p:nvPr>
-            <p:ph idx="1" type="body"/>
-          </p:nvPr>
-        </p:nvSpPr>
-        <p:spPr>
-          <a:xfrm>
-            <a:off x="311700" y="1152475"/>
-            <a:ext cx="8520600" cy="3416400"/>
-          </a:xfrm>
-          <a:prstGeom prst="rect">
-            <a:avLst/>
-          </a:prstGeom>
-        </p:spPr>
-        <p:txBody>
-          <a:bodyPr anchorCtr="0" anchor="t" bIns="91425" lIns="91425" spcFirstLastPara="1" rIns="91425" wrap="square" tIns="91425">
-            <a:normAutofit/>
-          </a:bodyPr>
-          <a:lstStyle/>
-          <a:p>
-            <a:pPr indent="0" lvl="0" marL="0" rtl="0" algn="l">
-              <a:spcBef>
-                <a:spcPts val="0"/>
-              </a:spcBef>
-              <a:spcAft>
-                <a:spcPts val="1200"/>
-              </a:spcAft>
-              <a:buNone/>
-            </a:pPr>
-            <a:r>
-              <a:rPr lang="zh-TW"/>
-              <a:t>透過wifi，在終端(mbed)建立socket client，將資料傳送給socket server(電腦)。為降低耗能，終端只在有不當駕駛行為時傳送通知，內容包含行駛方式與當前GPS定位。</a:t>
-            </a:r>
-            <a:endParaRPr/>
-          </a:p>
-        </p:txBody>
-      </p:sp>
     </p:spTree>
   </p:cSld>
   <p:clrMapOvr>
